--- a/1021進捗.pptx
+++ b/1021進捗.pptx
@@ -5,15 +5,16 @@
     <p:sldMasterId id="2147483648" r:id="rId1"/>
   </p:sldMasterIdLst>
   <p:notesMasterIdLst>
-    <p:notesMasterId r:id="rId8"/>
+    <p:notesMasterId r:id="rId9"/>
   </p:notesMasterIdLst>
   <p:sldIdLst>
     <p:sldId id="256" r:id="rId2"/>
     <p:sldId id="257" r:id="rId3"/>
     <p:sldId id="258" r:id="rId4"/>
     <p:sldId id="259" r:id="rId5"/>
-    <p:sldId id="260" r:id="rId6"/>
-    <p:sldId id="261" r:id="rId7"/>
+    <p:sldId id="262" r:id="rId6"/>
+    <p:sldId id="260" r:id="rId7"/>
+    <p:sldId id="261" r:id="rId8"/>
   </p:sldIdLst>
   <p:sldSz cx="9144000" cy="6858000" type="screen4x3"/>
   <p:notesSz cx="6858000" cy="9144000"/>
@@ -121,6 +122,7 @@
             <p14:sldId id="257"/>
             <p14:sldId id="258"/>
             <p14:sldId id="259"/>
+            <p14:sldId id="262"/>
             <p14:sldId id="260"/>
             <p14:sldId id="261"/>
           </p14:sldIdLst>
@@ -527,6 +529,90 @@
     </a:lvl9pPr>
   </p:notesStyle>
 </p:notesMaster>
+</file>
+
+<file path=ppt/notesSlides/notesSlide1.xml><?xml version="1.0" encoding="utf-8"?>
+<p:notes xmlns:a="http://schemas.openxmlformats.org/drawingml/2006/main" xmlns:r="http://schemas.openxmlformats.org/officeDocument/2006/relationships" xmlns:p="http://schemas.openxmlformats.org/presentationml/2006/main">
+  <p:cSld>
+    <p:spTree>
+      <p:nvGrpSpPr>
+        <p:cNvPr id="1" name=""/>
+        <p:cNvGrpSpPr/>
+        <p:nvPr/>
+      </p:nvGrpSpPr>
+      <p:grpSpPr>
+        <a:xfrm>
+          <a:off x="0" y="0"/>
+          <a:ext cx="0" cy="0"/>
+          <a:chOff x="0" y="0"/>
+          <a:chExt cx="0" cy="0"/>
+        </a:xfrm>
+      </p:grpSpPr>
+      <p:sp>
+        <p:nvSpPr>
+          <p:cNvPr id="2" name="スライド イメージ プレースホルダー 1"/>
+          <p:cNvSpPr>
+            <a:spLocks noGrp="1" noRot="1" noChangeAspect="1"/>
+          </p:cNvSpPr>
+          <p:nvPr>
+            <p:ph type="sldImg"/>
+          </p:nvPr>
+        </p:nvSpPr>
+        <p:spPr/>
+      </p:sp>
+      <p:sp>
+        <p:nvSpPr>
+          <p:cNvPr id="3" name="ノート プレースホルダー 2"/>
+          <p:cNvSpPr>
+            <a:spLocks noGrp="1"/>
+          </p:cNvSpPr>
+          <p:nvPr>
+            <p:ph type="body" idx="1"/>
+          </p:nvPr>
+        </p:nvSpPr>
+        <p:spPr/>
+        <p:txBody>
+          <a:bodyPr/>
+          <a:lstStyle/>
+          <a:p>
+            <a:endParaRPr kumimoji="1" lang="ja-JP" altLang="en-US"/>
+          </a:p>
+        </p:txBody>
+      </p:sp>
+      <p:sp>
+        <p:nvSpPr>
+          <p:cNvPr id="4" name="スライド番号プレースホルダー 3"/>
+          <p:cNvSpPr>
+            <a:spLocks noGrp="1"/>
+          </p:cNvSpPr>
+          <p:nvPr>
+            <p:ph type="sldNum" sz="quarter" idx="5"/>
+          </p:nvPr>
+        </p:nvSpPr>
+        <p:spPr/>
+        <p:txBody>
+          <a:bodyPr/>
+          <a:lstStyle/>
+          <a:p>
+            <a:fld id="{11C3B0B9-599D-43DE-835D-2976AC58AA40}" type="slidenum">
+              <a:rPr kumimoji="1" lang="ja-JP" altLang="en-US" smtClean="0"/>
+              <a:t>6</a:t>
+            </a:fld>
+            <a:endParaRPr kumimoji="1" lang="ja-JP" altLang="en-US"/>
+          </a:p>
+        </p:txBody>
+      </p:sp>
+    </p:spTree>
+    <p:extLst>
+      <p:ext uri="{BB962C8B-B14F-4D97-AF65-F5344CB8AC3E}">
+        <p14:creationId xmlns:p14="http://schemas.microsoft.com/office/powerpoint/2010/main" val="1443074778"/>
+      </p:ext>
+    </p:extLst>
+  </p:cSld>
+  <p:clrMapOvr>
+    <a:masterClrMapping/>
+  </p:clrMapOvr>
+</p:notes>
 </file>
 
 <file path=ppt/slideLayouts/slideLayout1.xml><?xml version="1.0" encoding="utf-8"?>
@@ -4201,18 +4287,12 @@
             <a:endParaRPr lang="en-US" altLang="ja-JP" dirty="0"/>
           </a:p>
           <a:p>
-            <a:r>
-              <a:rPr lang="ja-JP" altLang="en-US"/>
-              <a:t>ファイルを分割</a:t>
-            </a:r>
             <a:endParaRPr lang="en-US" altLang="ja-JP" dirty="0"/>
           </a:p>
           <a:p>
-            <a:pPr lvl="1"/>
-            <a:r>
-              <a:rPr lang="ja-JP" altLang="en-US"/>
-              <a:t>アセットパイプラインの弊害を解決</a:t>
-            </a:r>
+            <a:endParaRPr lang="en-US" altLang="ja-JP" dirty="0"/>
+          </a:p>
+          <a:p>
             <a:endParaRPr lang="en-US" altLang="ja-JP" dirty="0"/>
           </a:p>
           <a:p>
@@ -4314,31 +4394,6 @@
       </p:sp>
       <p:sp>
         <p:nvSpPr>
-          <p:cNvPr id="3" name="コンテンツ プレースホルダー 2">
-            <a:extLst>
-              <a:ext uri="{FF2B5EF4-FFF2-40B4-BE49-F238E27FC236}">
-                <a16:creationId xmlns:a16="http://schemas.microsoft.com/office/drawing/2014/main" id="{A4BDD5C0-3567-DC41-A4B9-D0BAC73A6077}"/>
-              </a:ext>
-            </a:extLst>
-          </p:cNvPr>
-          <p:cNvSpPr>
-            <a:spLocks noGrp="1"/>
-          </p:cNvSpPr>
-          <p:nvPr>
-            <p:ph idx="1"/>
-          </p:nvPr>
-        </p:nvSpPr>
-        <p:spPr/>
-        <p:txBody>
-          <a:bodyPr/>
-          <a:lstStyle/>
-          <a:p>
-            <a:endParaRPr kumimoji="1" lang="ja-JP" altLang="en-US"/>
-          </a:p>
-        </p:txBody>
-      </p:sp>
-      <p:sp>
-        <p:nvSpPr>
           <p:cNvPr id="4" name="スライド番号プレースホルダー 3">
             <a:extLst>
               <a:ext uri="{FF2B5EF4-FFF2-40B4-BE49-F238E27FC236}">
@@ -4365,6 +4420,136 @@
               <a:t>4</a:t>
             </a:fld>
             <a:endParaRPr lang="ja-JP" altLang="en-US" dirty="0"/>
+          </a:p>
+        </p:txBody>
+      </p:sp>
+      <p:pic>
+        <p:nvPicPr>
+          <p:cNvPr id="12" name="コンテンツ プレースホルダー 11">
+            <a:extLst>
+              <a:ext uri="{FF2B5EF4-FFF2-40B4-BE49-F238E27FC236}">
+                <a16:creationId xmlns:a16="http://schemas.microsoft.com/office/drawing/2014/main" id="{53F6E09B-C5A7-D74F-A70A-8F5C19677E2A}"/>
+              </a:ext>
+            </a:extLst>
+          </p:cNvPr>
+          <p:cNvPicPr>
+            <a:picLocks noGrp="1" noChangeAspect="1"/>
+          </p:cNvPicPr>
+          <p:nvPr>
+            <p:ph idx="1"/>
+          </p:nvPr>
+        </p:nvPicPr>
+        <p:blipFill>
+          <a:blip r:embed="rId2">
+            <a:extLst>
+              <a:ext uri="{28A0092B-C50C-407E-A947-70E740481C1C}">
+                <a14:useLocalDpi xmlns:a14="http://schemas.microsoft.com/office/drawing/2010/main" val="0"/>
+              </a:ext>
+            </a:extLst>
+          </a:blip>
+          <a:stretch>
+            <a:fillRect/>
+          </a:stretch>
+        </p:blipFill>
+        <p:spPr>
+          <a:xfrm>
+            <a:off x="5148064" y="2852936"/>
+            <a:ext cx="2946400" cy="1536700"/>
+          </a:xfrm>
+          <a:ln>
+            <a:solidFill>
+              <a:schemeClr val="tx1"/>
+            </a:solidFill>
+          </a:ln>
+        </p:spPr>
+      </p:pic>
+      <p:pic>
+        <p:nvPicPr>
+          <p:cNvPr id="14" name="図 13">
+            <a:extLst>
+              <a:ext uri="{FF2B5EF4-FFF2-40B4-BE49-F238E27FC236}">
+                <a16:creationId xmlns:a16="http://schemas.microsoft.com/office/drawing/2014/main" id="{E29BF604-AB21-D441-8D0F-C79ED4078734}"/>
+              </a:ext>
+            </a:extLst>
+          </p:cNvPr>
+          <p:cNvPicPr>
+            <a:picLocks noChangeAspect="1"/>
+          </p:cNvPicPr>
+          <p:nvPr/>
+        </p:nvPicPr>
+        <p:blipFill>
+          <a:blip r:embed="rId3">
+            <a:extLst>
+              <a:ext uri="{28A0092B-C50C-407E-A947-70E740481C1C}">
+                <a14:useLocalDpi xmlns:a14="http://schemas.microsoft.com/office/drawing/2010/main" val="0"/>
+              </a:ext>
+            </a:extLst>
+          </a:blip>
+          <a:stretch>
+            <a:fillRect/>
+          </a:stretch>
+        </p:blipFill>
+        <p:spPr>
+          <a:xfrm>
+            <a:off x="1115616" y="2287786"/>
+            <a:ext cx="2184400" cy="2667000"/>
+          </a:xfrm>
+          <a:prstGeom prst="rect">
+            <a:avLst/>
+          </a:prstGeom>
+        </p:spPr>
+      </p:pic>
+      <p:sp>
+        <p:nvSpPr>
+          <p:cNvPr id="15" name="下矢印 14">
+            <a:extLst>
+              <a:ext uri="{FF2B5EF4-FFF2-40B4-BE49-F238E27FC236}">
+                <a16:creationId xmlns:a16="http://schemas.microsoft.com/office/drawing/2014/main" id="{A1D3BA8D-5053-0F40-ADA1-DD1E3EEC1D4D}"/>
+              </a:ext>
+            </a:extLst>
+          </p:cNvPr>
+          <p:cNvSpPr/>
+          <p:nvPr/>
+        </p:nvSpPr>
+        <p:spPr>
+          <a:xfrm rot="16200000">
+            <a:off x="3806469" y="2981173"/>
+            <a:ext cx="722634" cy="1280225"/>
+          </a:xfrm>
+          <a:prstGeom prst="downArrow">
+            <a:avLst/>
+          </a:prstGeom>
+          <a:solidFill>
+            <a:srgbClr val="FF0000"/>
+          </a:solidFill>
+          <a:ln>
+            <a:solidFill>
+              <a:srgbClr val="FF0000"/>
+            </a:solidFill>
+          </a:ln>
+        </p:spPr>
+        <p:style>
+          <a:lnRef idx="2">
+            <a:schemeClr val="accent1">
+              <a:shade val="50000"/>
+            </a:schemeClr>
+          </a:lnRef>
+          <a:fillRef idx="1">
+            <a:schemeClr val="accent1"/>
+          </a:fillRef>
+          <a:effectRef idx="0">
+            <a:schemeClr val="accent1"/>
+          </a:effectRef>
+          <a:fontRef idx="minor">
+            <a:schemeClr val="lt1"/>
+          </a:fontRef>
+        </p:style>
+        <p:txBody>
+          <a:bodyPr rtlCol="0" anchor="ctr"/>
+          <a:lstStyle/>
+          <a:p>
+            <a:pPr algn="ctr"/>
+            <a:endParaRPr kumimoji="1" lang="ja-JP" altLang="en-US"/>
           </a:p>
         </p:txBody>
       </p:sp>
@@ -4403,7 +4588,7 @@
           <p:cNvPr id="2" name="タイトル 1">
             <a:extLst>
               <a:ext uri="{FF2B5EF4-FFF2-40B4-BE49-F238E27FC236}">
-                <a16:creationId xmlns:a16="http://schemas.microsoft.com/office/drawing/2014/main" id="{DD8DEF57-DB5B-0B41-8FA1-3A80B76D2EC8}"/>
+                <a16:creationId xmlns:a16="http://schemas.microsoft.com/office/drawing/2014/main" id="{72237F30-41FA-3B49-BCCB-58CE879C60D7}"/>
               </a:ext>
             </a:extLst>
           </p:cNvPr>
@@ -4416,12 +4601,14 @@
         </p:nvSpPr>
         <p:spPr/>
         <p:txBody>
-          <a:bodyPr/>
-          <a:lstStyle/>
-          <a:p>
-            <a:r>
-              <a:rPr kumimoji="1" lang="ja-JP" altLang="en-US"/>
-              <a:t>アセットパイプラインとは</a:t>
+          <a:bodyPr>
+            <a:normAutofit/>
+          </a:bodyPr>
+          <a:lstStyle/>
+          <a:p>
+            <a:r>
+              <a:rPr kumimoji="1" lang="ja-JP" altLang="en-US"/>
+              <a:t>ファイルを分割した際</a:t>
             </a:r>
           </a:p>
         </p:txBody>
@@ -4431,7 +4618,7 @@
           <p:cNvPr id="3" name="コンテンツ プレースホルダー 2">
             <a:extLst>
               <a:ext uri="{FF2B5EF4-FFF2-40B4-BE49-F238E27FC236}">
-                <a16:creationId xmlns:a16="http://schemas.microsoft.com/office/drawing/2014/main" id="{C74AE959-3B5C-DE4A-9E39-FB863C7B463E}"/>
+                <a16:creationId xmlns:a16="http://schemas.microsoft.com/office/drawing/2014/main" id="{46289B57-F74D-7A48-8EFB-B088940DB79C}"/>
               </a:ext>
             </a:extLst>
           </p:cNvPr>
@@ -4447,6 +4634,46 @@
           <a:bodyPr/>
           <a:lstStyle/>
           <a:p>
+            <a:r>
+              <a:rPr kumimoji="1" lang="ja-JP" altLang="en-US"/>
+              <a:t>ファイルの名前を変更すると</a:t>
+            </a:r>
+            <a:r>
+              <a:rPr kumimoji="1" lang="en-US" altLang="ja-JP" dirty="0"/>
+              <a:t>jQuery</a:t>
+            </a:r>
+            <a:r>
+              <a:rPr kumimoji="1" lang="ja-JP" altLang="en-US"/>
+              <a:t>が読み込めない</a:t>
+            </a:r>
+            <a:endParaRPr kumimoji="1" lang="en-US" altLang="ja-JP" dirty="0"/>
+          </a:p>
+          <a:p>
+            <a:endParaRPr lang="en-US" altLang="ja-JP" dirty="0"/>
+          </a:p>
+          <a:p>
+            <a:endParaRPr kumimoji="1" lang="en-US" altLang="ja-JP" dirty="0"/>
+          </a:p>
+          <a:p>
+            <a:endParaRPr lang="en-US" altLang="ja-JP" dirty="0"/>
+          </a:p>
+          <a:p>
+            <a:r>
+              <a:rPr kumimoji="1" lang="en-US" altLang="ja-JP" dirty="0"/>
+              <a:t>jQuery</a:t>
+            </a:r>
+            <a:r>
+              <a:rPr kumimoji="1" lang="ja-JP" altLang="en-US"/>
+              <a:t>より前にファイルが参照されていた</a:t>
+            </a:r>
+            <a:endParaRPr kumimoji="1" lang="en-US" altLang="ja-JP" dirty="0"/>
+          </a:p>
+          <a:p>
+            <a:pPr lvl="1"/>
+            <a:r>
+              <a:rPr lang="ja-JP" altLang="en-US"/>
+              <a:t>アセットパイプラインが関係</a:t>
+            </a:r>
             <a:endParaRPr kumimoji="1" lang="ja-JP" altLang="en-US"/>
           </a:p>
         </p:txBody>
@@ -4456,7 +4683,7 @@
           <p:cNvPr id="4" name="スライド番号プレースホルダー 3">
             <a:extLst>
               <a:ext uri="{FF2B5EF4-FFF2-40B4-BE49-F238E27FC236}">
-                <a16:creationId xmlns:a16="http://schemas.microsoft.com/office/drawing/2014/main" id="{84657A72-8C84-C047-8FB7-CCE6A5254260}"/>
+                <a16:creationId xmlns:a16="http://schemas.microsoft.com/office/drawing/2014/main" id="{CAA046AB-ACBE-F54C-937E-0F5EADA21A9E}"/>
               </a:ext>
             </a:extLst>
           </p:cNvPr>
@@ -4482,10 +4709,64 @@
           </a:p>
         </p:txBody>
       </p:sp>
+      <p:sp>
+        <p:nvSpPr>
+          <p:cNvPr id="5" name="下矢印 4">
+            <a:extLst>
+              <a:ext uri="{FF2B5EF4-FFF2-40B4-BE49-F238E27FC236}">
+                <a16:creationId xmlns:a16="http://schemas.microsoft.com/office/drawing/2014/main" id="{EDD09619-AE7B-7A49-A5C2-6DA745A24BE4}"/>
+              </a:ext>
+            </a:extLst>
+          </p:cNvPr>
+          <p:cNvSpPr/>
+          <p:nvPr/>
+        </p:nvSpPr>
+        <p:spPr>
+          <a:xfrm>
+            <a:off x="4067944" y="3068960"/>
+            <a:ext cx="720080" cy="1008112"/>
+          </a:xfrm>
+          <a:prstGeom prst="downArrow">
+            <a:avLst/>
+          </a:prstGeom>
+          <a:solidFill>
+            <a:srgbClr val="FF0000"/>
+          </a:solidFill>
+          <a:ln>
+            <a:solidFill>
+              <a:srgbClr val="FF0000"/>
+            </a:solidFill>
+          </a:ln>
+        </p:spPr>
+        <p:style>
+          <a:lnRef idx="2">
+            <a:schemeClr val="accent1">
+              <a:shade val="50000"/>
+            </a:schemeClr>
+          </a:lnRef>
+          <a:fillRef idx="1">
+            <a:schemeClr val="accent1"/>
+          </a:fillRef>
+          <a:effectRef idx="0">
+            <a:schemeClr val="accent1"/>
+          </a:effectRef>
+          <a:fontRef idx="minor">
+            <a:schemeClr val="lt1"/>
+          </a:fontRef>
+        </p:style>
+        <p:txBody>
+          <a:bodyPr rtlCol="0" anchor="ctr"/>
+          <a:lstStyle/>
+          <a:p>
+            <a:pPr algn="ctr"/>
+            <a:endParaRPr kumimoji="1" lang="ja-JP" altLang="en-US"/>
+          </a:p>
+        </p:txBody>
+      </p:sp>
     </p:spTree>
     <p:extLst>
       <p:ext uri="{BB962C8B-B14F-4D97-AF65-F5344CB8AC3E}">
-        <p14:creationId xmlns:p14="http://schemas.microsoft.com/office/powerpoint/2010/main" val="1616083119"/>
+        <p14:creationId xmlns:p14="http://schemas.microsoft.com/office/powerpoint/2010/main" val="1612773715"/>
       </p:ext>
     </p:extLst>
   </p:cSld>
@@ -4517,6 +4798,176 @@
           <p:cNvPr id="2" name="タイトル 1">
             <a:extLst>
               <a:ext uri="{FF2B5EF4-FFF2-40B4-BE49-F238E27FC236}">
+                <a16:creationId xmlns:a16="http://schemas.microsoft.com/office/drawing/2014/main" id="{DD8DEF57-DB5B-0B41-8FA1-3A80B76D2EC8}"/>
+              </a:ext>
+            </a:extLst>
+          </p:cNvPr>
+          <p:cNvSpPr>
+            <a:spLocks noGrp="1"/>
+          </p:cNvSpPr>
+          <p:nvPr>
+            <p:ph type="title"/>
+          </p:nvPr>
+        </p:nvSpPr>
+        <p:spPr/>
+        <p:txBody>
+          <a:bodyPr/>
+          <a:lstStyle/>
+          <a:p>
+            <a:r>
+              <a:rPr kumimoji="1" lang="ja-JP" altLang="en-US"/>
+              <a:t>アセットパイプラインとは</a:t>
+            </a:r>
+          </a:p>
+        </p:txBody>
+      </p:sp>
+      <p:sp>
+        <p:nvSpPr>
+          <p:cNvPr id="3" name="コンテンツ プレースホルダー 2">
+            <a:extLst>
+              <a:ext uri="{FF2B5EF4-FFF2-40B4-BE49-F238E27FC236}">
+                <a16:creationId xmlns:a16="http://schemas.microsoft.com/office/drawing/2014/main" id="{C74AE959-3B5C-DE4A-9E39-FB863C7B463E}"/>
+              </a:ext>
+            </a:extLst>
+          </p:cNvPr>
+          <p:cNvSpPr>
+            <a:spLocks noGrp="1"/>
+          </p:cNvSpPr>
+          <p:nvPr>
+            <p:ph idx="1"/>
+          </p:nvPr>
+        </p:nvSpPr>
+        <p:spPr/>
+        <p:txBody>
+          <a:bodyPr/>
+          <a:lstStyle/>
+          <a:p>
+            <a:r>
+              <a:rPr kumimoji="1" lang="en-US" altLang="ja-JP" dirty="0" err="1"/>
+              <a:t>Js</a:t>
+            </a:r>
+            <a:r>
+              <a:rPr kumimoji="1" lang="ja-JP" altLang="en-US"/>
+              <a:t>ファイルや</a:t>
+            </a:r>
+            <a:r>
+              <a:rPr kumimoji="1" lang="en-US" altLang="ja-JP" dirty="0" err="1"/>
+              <a:t>css</a:t>
+            </a:r>
+            <a:r>
+              <a:rPr kumimoji="1" lang="ja-JP" altLang="en-US"/>
+              <a:t>ファイルを一つにまとめる</a:t>
+            </a:r>
+            <a:endParaRPr kumimoji="1" lang="en-US" altLang="ja-JP" dirty="0"/>
+          </a:p>
+          <a:p>
+            <a:r>
+              <a:rPr lang="ja-JP" altLang="en-US"/>
+              <a:t>プラグインのコメントや空白を削除</a:t>
+            </a:r>
+            <a:endParaRPr lang="en-US" altLang="ja-JP" dirty="0"/>
+          </a:p>
+          <a:p>
+            <a:pPr lvl="1"/>
+            <a:r>
+              <a:rPr lang="ja-JP" altLang="en-US"/>
+              <a:t>処理の高速化</a:t>
+            </a:r>
+            <a:endParaRPr lang="en-US" altLang="ja-JP" dirty="0"/>
+          </a:p>
+          <a:p>
+            <a:endParaRPr lang="en-US" altLang="ja-JP" dirty="0"/>
+          </a:p>
+          <a:p>
+            <a:endParaRPr lang="en-US" altLang="ja-JP" dirty="0"/>
+          </a:p>
+          <a:p>
+            <a:r>
+              <a:rPr lang="ja-JP" altLang="en-US"/>
+              <a:t>デフォルトでは辞書順に読み込まれる</a:t>
+            </a:r>
+            <a:endParaRPr lang="en-US" altLang="ja-JP" dirty="0"/>
+          </a:p>
+          <a:p>
+            <a:pPr lvl="1"/>
+            <a:r>
+              <a:rPr lang="ja-JP" altLang="en-US"/>
+              <a:t>マニフェストに読み込み順を記述</a:t>
+            </a:r>
+            <a:endParaRPr lang="en-US" altLang="ja-JP" dirty="0"/>
+          </a:p>
+          <a:p>
+            <a:pPr lvl="1"/>
+            <a:endParaRPr lang="en-US" altLang="ja-JP" dirty="0"/>
+          </a:p>
+        </p:txBody>
+      </p:sp>
+      <p:sp>
+        <p:nvSpPr>
+          <p:cNvPr id="4" name="スライド番号プレースホルダー 3">
+            <a:extLst>
+              <a:ext uri="{FF2B5EF4-FFF2-40B4-BE49-F238E27FC236}">
+                <a16:creationId xmlns:a16="http://schemas.microsoft.com/office/drawing/2014/main" id="{84657A72-8C84-C047-8FB7-CCE6A5254260}"/>
+              </a:ext>
+            </a:extLst>
+          </p:cNvPr>
+          <p:cNvSpPr>
+            <a:spLocks noGrp="1"/>
+          </p:cNvSpPr>
+          <p:nvPr>
+            <p:ph type="sldNum" sz="quarter" idx="12"/>
+          </p:nvPr>
+        </p:nvSpPr>
+        <p:spPr/>
+        <p:txBody>
+          <a:bodyPr/>
+          <a:lstStyle/>
+          <a:p>
+            <a:pPr algn="ctr"/>
+            <a:fld id="{CA23F248-F353-4F36-A746-B1953A38AE2D}" type="slidenum">
+              <a:rPr lang="ja-JP" altLang="en-US" smtClean="0"/>
+              <a:pPr algn="ctr"/>
+              <a:t>6</a:t>
+            </a:fld>
+            <a:endParaRPr lang="ja-JP" altLang="en-US" dirty="0"/>
+          </a:p>
+        </p:txBody>
+      </p:sp>
+    </p:spTree>
+    <p:extLst>
+      <p:ext uri="{BB962C8B-B14F-4D97-AF65-F5344CB8AC3E}">
+        <p14:creationId xmlns:p14="http://schemas.microsoft.com/office/powerpoint/2010/main" val="1616083119"/>
+      </p:ext>
+    </p:extLst>
+  </p:cSld>
+  <p:clrMapOvr>
+    <a:masterClrMapping/>
+  </p:clrMapOvr>
+</p:sld>
+</file>
+
+<file path=ppt/slides/slide7.xml><?xml version="1.0" encoding="utf-8"?>
+<p:sld xmlns:a="http://schemas.openxmlformats.org/drawingml/2006/main" xmlns:r="http://schemas.openxmlformats.org/officeDocument/2006/relationships" xmlns:p="http://schemas.openxmlformats.org/presentationml/2006/main">
+  <p:cSld>
+    <p:spTree>
+      <p:nvGrpSpPr>
+        <p:cNvPr id="1" name=""/>
+        <p:cNvGrpSpPr/>
+        <p:nvPr/>
+      </p:nvGrpSpPr>
+      <p:grpSpPr>
+        <a:xfrm>
+          <a:off x="0" y="0"/>
+          <a:ext cx="0" cy="0"/>
+          <a:chOff x="0" y="0"/>
+          <a:chExt cx="0" cy="0"/>
+        </a:xfrm>
+      </p:grpSpPr>
+      <p:sp>
+        <p:nvSpPr>
+          <p:cNvPr id="2" name="タイトル 1">
+            <a:extLst>
+              <a:ext uri="{FF2B5EF4-FFF2-40B4-BE49-F238E27FC236}">
                 <a16:creationId xmlns:a16="http://schemas.microsoft.com/office/drawing/2014/main" id="{9B5D0F02-6893-5C40-960B-6F9A1D16F02E}"/>
               </a:ext>
             </a:extLst>
@@ -4561,6 +5012,24 @@
           <a:bodyPr/>
           <a:lstStyle/>
           <a:p>
+            <a:r>
+              <a:rPr kumimoji="1" lang="en-US" altLang="ja-JP" dirty="0" err="1"/>
+              <a:t>netJson</a:t>
+            </a:r>
+            <a:endParaRPr kumimoji="1" lang="en-US" altLang="ja-JP" dirty="0"/>
+          </a:p>
+          <a:p>
+            <a:endParaRPr kumimoji="1" lang="en-US" altLang="ja-JP" dirty="0"/>
+          </a:p>
+          <a:p>
+            <a:r>
+              <a:rPr lang="en-US" altLang="ja-JP" dirty="0"/>
+              <a:t>PC</a:t>
+            </a:r>
+            <a:r>
+              <a:rPr lang="ja-JP" altLang="en-US"/>
+              <a:t>やルータを自由に線でつなぐ</a:t>
+            </a:r>
             <a:endParaRPr kumimoji="1" lang="ja-JP" altLang="en-US"/>
           </a:p>
         </p:txBody>
@@ -4590,7 +5059,7 @@
             <a:fld id="{CA23F248-F353-4F36-A746-B1953A38AE2D}" type="slidenum">
               <a:rPr lang="ja-JP" altLang="en-US" smtClean="0"/>
               <a:pPr algn="ctr"/>
-              <a:t>6</a:t>
+              <a:t>7</a:t>
             </a:fld>
             <a:endParaRPr lang="ja-JP" altLang="en-US" dirty="0"/>
           </a:p>

--- a/1021進捗.pptx
+++ b/1021進捗.pptx
@@ -4280,6 +4280,16 @@
             <a:r>
               <a:rPr lang="ja-JP" altLang="en-US"/>
               <a:t>右クリックを独自のものに変更</a:t>
+            </a:r>
+            <a:endParaRPr lang="en-US" altLang="ja-JP" dirty="0"/>
+          </a:p>
+          <a:p>
+            <a:endParaRPr lang="en-US" altLang="ja-JP" dirty="0"/>
+          </a:p>
+          <a:p>
+            <a:r>
+              <a:rPr lang="ja-JP" altLang="en-US"/>
+              <a:t>ファイルを分割</a:t>
             </a:r>
             <a:endParaRPr lang="en-US" altLang="ja-JP" dirty="0"/>
           </a:p>

--- a/1021進捗.pptx
+++ b/1021進捗.pptx
@@ -5,7 +5,7 @@
     <p:sldMasterId id="2147483648" r:id="rId1"/>
   </p:sldMasterIdLst>
   <p:notesMasterIdLst>
-    <p:notesMasterId r:id="rId9"/>
+    <p:notesMasterId r:id="rId13"/>
   </p:notesMasterIdLst>
   <p:sldIdLst>
     <p:sldId id="256" r:id="rId2"/>
@@ -14,7 +14,11 @@
     <p:sldId id="259" r:id="rId5"/>
     <p:sldId id="262" r:id="rId6"/>
     <p:sldId id="260" r:id="rId7"/>
-    <p:sldId id="261" r:id="rId8"/>
+    <p:sldId id="263" r:id="rId8"/>
+    <p:sldId id="264" r:id="rId9"/>
+    <p:sldId id="265" r:id="rId10"/>
+    <p:sldId id="266" r:id="rId11"/>
+    <p:sldId id="261" r:id="rId12"/>
   </p:sldIdLst>
   <p:sldSz cx="9144000" cy="6858000" type="screen4x3"/>
   <p:notesSz cx="6858000" cy="9144000"/>
@@ -124,6 +128,10 @@
             <p14:sldId id="259"/>
             <p14:sldId id="262"/>
             <p14:sldId id="260"/>
+            <p14:sldId id="263"/>
+            <p14:sldId id="264"/>
+            <p14:sldId id="265"/>
+            <p14:sldId id="266"/>
             <p14:sldId id="261"/>
           </p14:sldIdLst>
         </p14:section>
@@ -232,7 +240,7 @@
           <a:p>
             <a:fld id="{803DD6A6-FCD2-4EE7-8E6E-99C1A1F687BC}" type="datetimeFigureOut">
               <a:rPr kumimoji="1" lang="ja-JP" altLang="en-US" smtClean="0"/>
-              <a:t>2018/10/20</a:t>
+              <a:t>2018/10/22</a:t>
             </a:fld>
             <a:endParaRPr kumimoji="1" lang="ja-JP" altLang="en-US"/>
           </a:p>
@@ -1001,7 +1009,7 @@
           <a:p>
             <a:fld id="{0C2D592E-2292-4305-9592-EC97400E21B7}" type="datetime1">
               <a:rPr kumimoji="1" lang="ja-JP" altLang="en-US" smtClean="0"/>
-              <a:t>2018/10/20</a:t>
+              <a:t>2018/10/22</a:t>
             </a:fld>
             <a:endParaRPr kumimoji="1" lang="ja-JP" altLang="en-US"/>
           </a:p>
@@ -1211,7 +1219,7 @@
           <a:p>
             <a:fld id="{E508CA83-B01D-4BAB-B4E2-CF9244F45EF5}" type="datetime1">
               <a:rPr kumimoji="1" lang="ja-JP" altLang="en-US" smtClean="0"/>
-              <a:t>2018/10/20</a:t>
+              <a:t>2018/10/22</a:t>
             </a:fld>
             <a:endParaRPr kumimoji="1" lang="ja-JP" altLang="en-US"/>
           </a:p>
@@ -1416,7 +1424,7 @@
           <a:p>
             <a:fld id="{01E93D1F-BE2F-43FF-9803-5758F1FF87BE}" type="datetime1">
               <a:rPr kumimoji="1" lang="ja-JP" altLang="en-US" smtClean="0"/>
-              <a:t>2018/10/20</a:t>
+              <a:t>2018/10/22</a:t>
             </a:fld>
             <a:endParaRPr kumimoji="1" lang="ja-JP" altLang="en-US"/>
           </a:p>
@@ -1733,7 +1741,7 @@
           <a:p>
             <a:fld id="{EFA39CE0-7535-4E0E-AFE3-F465E7C7C0FF}" type="datetime1">
               <a:rPr kumimoji="1" lang="ja-JP" altLang="en-US" smtClean="0"/>
-              <a:t>2018/10/20</a:t>
+              <a:t>2018/10/22</a:t>
             </a:fld>
             <a:endParaRPr kumimoji="1" lang="ja-JP" altLang="en-US"/>
           </a:p>
@@ -2082,7 +2090,7 @@
           <a:p>
             <a:fld id="{D45C9DD0-C75C-4A45-9030-13826D815CA0}" type="datetime1">
               <a:rPr kumimoji="1" lang="ja-JP" altLang="en-US" smtClean="0"/>
-              <a:t>2018/10/20</a:t>
+              <a:t>2018/10/22</a:t>
             </a:fld>
             <a:endParaRPr kumimoji="1" lang="ja-JP" altLang="en-US"/>
           </a:p>
@@ -2565,7 +2573,7 @@
           <a:p>
             <a:fld id="{CCA1C7AD-18BB-4F25-AC23-F39BF79F4D77}" type="datetime1">
               <a:rPr kumimoji="1" lang="ja-JP" altLang="en-US" smtClean="0"/>
-              <a:t>2018/10/20</a:t>
+              <a:t>2018/10/22</a:t>
             </a:fld>
             <a:endParaRPr kumimoji="1" lang="ja-JP" altLang="en-US"/>
           </a:p>
@@ -2682,7 +2690,7 @@
           <a:p>
             <a:fld id="{AF8EE08C-AC9E-42E7-9719-2A54CCDFBD7D}" type="datetime1">
               <a:rPr kumimoji="1" lang="ja-JP" altLang="en-US" smtClean="0"/>
-              <a:t>2018/10/20</a:t>
+              <a:t>2018/10/22</a:t>
             </a:fld>
             <a:endParaRPr kumimoji="1" lang="ja-JP" altLang="en-US"/>
           </a:p>
@@ -2777,7 +2785,7 @@
           <a:p>
             <a:fld id="{B8073CA2-C66C-41D1-B499-CAA6DB7D7D3A}" type="datetime1">
               <a:rPr kumimoji="1" lang="ja-JP" altLang="en-US" smtClean="0"/>
-              <a:t>2018/10/20</a:t>
+              <a:t>2018/10/22</a:t>
             </a:fld>
             <a:endParaRPr kumimoji="1" lang="ja-JP" altLang="en-US"/>
           </a:p>
@@ -3084,7 +3092,7 @@
           <a:p>
             <a:fld id="{DFBD8235-0C14-4155-9991-B1E146E33912}" type="datetime1">
               <a:rPr kumimoji="1" lang="ja-JP" altLang="en-US" smtClean="0"/>
-              <a:t>2018/10/20</a:t>
+              <a:t>2018/10/22</a:t>
             </a:fld>
             <a:endParaRPr kumimoji="1" lang="ja-JP" altLang="en-US"/>
           </a:p>
@@ -3339,7 +3347,7 @@
           <a:p>
             <a:fld id="{2A91B658-7182-4FD9-A82F-002C38D9BA43}" type="datetime1">
               <a:rPr kumimoji="1" lang="ja-JP" altLang="en-US" smtClean="0"/>
-              <a:t>2018/10/20</a:t>
+              <a:t>2018/10/22</a:t>
             </a:fld>
             <a:endParaRPr kumimoji="1" lang="ja-JP" altLang="en-US"/>
           </a:p>
@@ -3582,7 +3590,7 @@
           <a:p>
             <a:fld id="{5EABF07F-C525-453C-82CD-1DECD51CCA53}" type="datetime1">
               <a:rPr kumimoji="1" lang="ja-JP" altLang="en-US" smtClean="0"/>
-              <a:t>2018/10/20</a:t>
+              <a:t>2018/10/22</a:t>
             </a:fld>
             <a:endParaRPr kumimoji="1" lang="ja-JP" altLang="en-US"/>
           </a:p>
@@ -4028,6 +4036,261 @@
 </p:sld>
 </file>
 
+<file path=ppt/slides/slide10.xml><?xml version="1.0" encoding="utf-8"?>
+<p:sld xmlns:a="http://schemas.openxmlformats.org/drawingml/2006/main" xmlns:r="http://schemas.openxmlformats.org/officeDocument/2006/relationships" xmlns:p="http://schemas.openxmlformats.org/presentationml/2006/main">
+  <p:cSld>
+    <p:spTree>
+      <p:nvGrpSpPr>
+        <p:cNvPr id="1" name=""/>
+        <p:cNvGrpSpPr/>
+        <p:nvPr/>
+      </p:nvGrpSpPr>
+      <p:grpSpPr>
+        <a:xfrm>
+          <a:off x="0" y="0"/>
+          <a:ext cx="0" cy="0"/>
+          <a:chOff x="0" y="0"/>
+          <a:chExt cx="0" cy="0"/>
+        </a:xfrm>
+      </p:grpSpPr>
+      <p:sp>
+        <p:nvSpPr>
+          <p:cNvPr id="2" name="タイトル 1"/>
+          <p:cNvSpPr>
+            <a:spLocks noGrp="1"/>
+          </p:cNvSpPr>
+          <p:nvPr>
+            <p:ph type="title"/>
+          </p:nvPr>
+        </p:nvSpPr>
+        <p:spPr/>
+        <p:txBody>
+          <a:bodyPr/>
+          <a:lstStyle/>
+          <a:p>
+            <a:r>
+              <a:rPr kumimoji="1" lang="ja-JP" altLang="en-US" dirty="0" smtClean="0"/>
+              <a:t>チュートリアル</a:t>
+            </a:r>
+            <a:endParaRPr kumimoji="1" lang="ja-JP" altLang="en-US" dirty="0"/>
+          </a:p>
+        </p:txBody>
+      </p:sp>
+      <p:sp>
+        <p:nvSpPr>
+          <p:cNvPr id="3" name="コンテンツ プレースホルダー 2"/>
+          <p:cNvSpPr>
+            <a:spLocks noGrp="1"/>
+          </p:cNvSpPr>
+          <p:nvPr>
+            <p:ph idx="1"/>
+          </p:nvPr>
+        </p:nvSpPr>
+        <p:spPr/>
+        <p:txBody>
+          <a:bodyPr/>
+          <a:lstStyle/>
+          <a:p>
+            <a:r>
+              <a:rPr kumimoji="1" lang="ja-JP" altLang="en-US" dirty="0" smtClean="0"/>
+              <a:t>セッション３にて、リダイレクトするときに</a:t>
+            </a:r>
+            <a:r>
+              <a:rPr lang="en-US" altLang="ja-JP" dirty="0" err="1" smtClean="0"/>
+              <a:t>lti_msg</a:t>
+            </a:r>
+            <a:r>
+              <a:rPr lang="ja-JP" altLang="en-US" dirty="0" smtClean="0"/>
+              <a:t>というクエリパラメータをつけて返せと言われたので、そのプログラムを製作中</a:t>
+            </a:r>
+            <a:endParaRPr kumimoji="1" lang="ja-JP" altLang="en-US" dirty="0"/>
+          </a:p>
+        </p:txBody>
+      </p:sp>
+      <p:sp>
+        <p:nvSpPr>
+          <p:cNvPr id="4" name="スライド番号プレースホルダー 3"/>
+          <p:cNvSpPr>
+            <a:spLocks noGrp="1"/>
+          </p:cNvSpPr>
+          <p:nvPr>
+            <p:ph type="sldNum" sz="quarter" idx="12"/>
+          </p:nvPr>
+        </p:nvSpPr>
+        <p:spPr/>
+        <p:txBody>
+          <a:bodyPr/>
+          <a:lstStyle/>
+          <a:p>
+            <a:pPr algn="ctr"/>
+            <a:fld id="{CA23F248-F353-4F36-A746-B1953A38AE2D}" type="slidenum">
+              <a:rPr lang="ja-JP" altLang="en-US" smtClean="0"/>
+              <a:pPr algn="ctr"/>
+              <a:t>10</a:t>
+            </a:fld>
+            <a:endParaRPr lang="ja-JP" altLang="en-US" dirty="0"/>
+          </a:p>
+        </p:txBody>
+      </p:sp>
+    </p:spTree>
+    <p:extLst>
+      <p:ext uri="{BB962C8B-B14F-4D97-AF65-F5344CB8AC3E}">
+        <p14:creationId xmlns:p14="http://schemas.microsoft.com/office/powerpoint/2010/main" val="901833779"/>
+      </p:ext>
+    </p:extLst>
+  </p:cSld>
+  <p:clrMapOvr>
+    <a:masterClrMapping/>
+  </p:clrMapOvr>
+</p:sld>
+</file>
+
+<file path=ppt/slides/slide11.xml><?xml version="1.0" encoding="utf-8"?>
+<p:sld xmlns:a="http://schemas.openxmlformats.org/drawingml/2006/main" xmlns:r="http://schemas.openxmlformats.org/officeDocument/2006/relationships" xmlns:p="http://schemas.openxmlformats.org/presentationml/2006/main">
+  <p:cSld>
+    <p:spTree>
+      <p:nvGrpSpPr>
+        <p:cNvPr id="1" name=""/>
+        <p:cNvGrpSpPr/>
+        <p:nvPr/>
+      </p:nvGrpSpPr>
+      <p:grpSpPr>
+        <a:xfrm>
+          <a:off x="0" y="0"/>
+          <a:ext cx="0" cy="0"/>
+          <a:chOff x="0" y="0"/>
+          <a:chExt cx="0" cy="0"/>
+        </a:xfrm>
+      </p:grpSpPr>
+      <p:sp>
+        <p:nvSpPr>
+          <p:cNvPr id="2" name="タイトル 1">
+            <a:extLst>
+              <a:ext uri="{FF2B5EF4-FFF2-40B4-BE49-F238E27FC236}">
+                <a16:creationId xmlns:a16="http://schemas.microsoft.com/office/drawing/2014/main" xmlns="" id="{9B5D0F02-6893-5C40-960B-6F9A1D16F02E}"/>
+              </a:ext>
+            </a:extLst>
+          </p:cNvPr>
+          <p:cNvSpPr>
+            <a:spLocks noGrp="1"/>
+          </p:cNvSpPr>
+          <p:nvPr>
+            <p:ph type="title"/>
+          </p:nvPr>
+        </p:nvSpPr>
+        <p:spPr/>
+        <p:txBody>
+          <a:bodyPr/>
+          <a:lstStyle/>
+          <a:p>
+            <a:r>
+              <a:rPr kumimoji="1" lang="ja-JP" altLang="en-US"/>
+              <a:t>課題</a:t>
+            </a:r>
+          </a:p>
+        </p:txBody>
+      </p:sp>
+      <p:sp>
+        <p:nvSpPr>
+          <p:cNvPr id="3" name="コンテンツ プレースホルダー 2">
+            <a:extLst>
+              <a:ext uri="{FF2B5EF4-FFF2-40B4-BE49-F238E27FC236}">
+                <a16:creationId xmlns:a16="http://schemas.microsoft.com/office/drawing/2014/main" xmlns="" id="{023975DF-E93F-6842-B158-15EA8B104462}"/>
+              </a:ext>
+            </a:extLst>
+          </p:cNvPr>
+          <p:cNvSpPr>
+            <a:spLocks noGrp="1"/>
+          </p:cNvSpPr>
+          <p:nvPr>
+            <p:ph idx="1"/>
+          </p:nvPr>
+        </p:nvSpPr>
+        <p:spPr/>
+        <p:txBody>
+          <a:bodyPr/>
+          <a:lstStyle/>
+          <a:p>
+            <a:r>
+              <a:rPr kumimoji="1" lang="en-US" altLang="ja-JP" dirty="0" err="1"/>
+              <a:t>netJson</a:t>
+            </a:r>
+            <a:endParaRPr kumimoji="1" lang="en-US" altLang="ja-JP" dirty="0"/>
+          </a:p>
+          <a:p>
+            <a:endParaRPr kumimoji="1" lang="en-US" altLang="ja-JP" dirty="0"/>
+          </a:p>
+          <a:p>
+            <a:r>
+              <a:rPr lang="en-US" altLang="ja-JP" dirty="0"/>
+              <a:t>PC</a:t>
+            </a:r>
+            <a:r>
+              <a:rPr lang="ja-JP" altLang="en-US" dirty="0"/>
+              <a:t>やルータを自由に線で</a:t>
+            </a:r>
+            <a:r>
+              <a:rPr lang="ja-JP" altLang="en-US" dirty="0" smtClean="0"/>
+              <a:t>つなぐ</a:t>
+            </a:r>
+            <a:endParaRPr lang="en-US" altLang="ja-JP" dirty="0" smtClean="0"/>
+          </a:p>
+          <a:p>
+            <a:endParaRPr kumimoji="1" lang="en-US" altLang="ja-JP" dirty="0"/>
+          </a:p>
+          <a:p>
+            <a:r>
+              <a:rPr lang="ja-JP" altLang="en-US" smtClean="0"/>
+              <a:t>チュートリアルを進める</a:t>
+            </a:r>
+            <a:endParaRPr kumimoji="1" lang="ja-JP" altLang="en-US"/>
+          </a:p>
+        </p:txBody>
+      </p:sp>
+      <p:sp>
+        <p:nvSpPr>
+          <p:cNvPr id="4" name="スライド番号プレースホルダー 3">
+            <a:extLst>
+              <a:ext uri="{FF2B5EF4-FFF2-40B4-BE49-F238E27FC236}">
+                <a16:creationId xmlns:a16="http://schemas.microsoft.com/office/drawing/2014/main" xmlns="" id="{FC6EE1D2-DEED-EC4C-82FF-D0C0D0A20C67}"/>
+              </a:ext>
+            </a:extLst>
+          </p:cNvPr>
+          <p:cNvSpPr>
+            <a:spLocks noGrp="1"/>
+          </p:cNvSpPr>
+          <p:nvPr>
+            <p:ph type="sldNum" sz="quarter" idx="12"/>
+          </p:nvPr>
+        </p:nvSpPr>
+        <p:spPr/>
+        <p:txBody>
+          <a:bodyPr/>
+          <a:lstStyle/>
+          <a:p>
+            <a:pPr algn="ctr"/>
+            <a:fld id="{CA23F248-F353-4F36-A746-B1953A38AE2D}" type="slidenum">
+              <a:rPr lang="ja-JP" altLang="en-US" smtClean="0"/>
+              <a:pPr algn="ctr"/>
+              <a:t>11</a:t>
+            </a:fld>
+            <a:endParaRPr lang="ja-JP" altLang="en-US" dirty="0"/>
+          </a:p>
+        </p:txBody>
+      </p:sp>
+    </p:spTree>
+    <p:extLst>
+      <p:ext uri="{BB962C8B-B14F-4D97-AF65-F5344CB8AC3E}">
+        <p14:creationId xmlns:p14="http://schemas.microsoft.com/office/powerpoint/2010/main" val="2015153303"/>
+      </p:ext>
+    </p:extLst>
+  </p:cSld>
+  <p:clrMapOvr>
+    <a:masterClrMapping/>
+  </p:clrMapOvr>
+</p:sld>
+</file>
+
 <file path=ppt/slides/slide2.xml><?xml version="1.0" encoding="utf-8"?>
 <p:sld xmlns:a="http://schemas.openxmlformats.org/drawingml/2006/main" xmlns:r="http://schemas.openxmlformats.org/officeDocument/2006/relationships" xmlns:p="http://schemas.openxmlformats.org/presentationml/2006/main">
   <p:cSld>
@@ -4050,7 +4313,7 @@
           <p:cNvPr id="2" name="タイトル 1">
             <a:extLst>
               <a:ext uri="{FF2B5EF4-FFF2-40B4-BE49-F238E27FC236}">
-                <a16:creationId xmlns:a16="http://schemas.microsoft.com/office/drawing/2014/main" id="{0B948189-D5B6-6542-B441-E4DDE08F5D2C}"/>
+                <a16:creationId xmlns:a16="http://schemas.microsoft.com/office/drawing/2014/main" xmlns="" id="{0B948189-D5B6-6542-B441-E4DDE08F5D2C}"/>
               </a:ext>
             </a:extLst>
           </p:cNvPr>
@@ -4078,7 +4341,7 @@
           <p:cNvPr id="3" name="コンテンツ プレースホルダー 2">
             <a:extLst>
               <a:ext uri="{FF2B5EF4-FFF2-40B4-BE49-F238E27FC236}">
-                <a16:creationId xmlns:a16="http://schemas.microsoft.com/office/drawing/2014/main" id="{CD0C133E-ADC0-0C4B-8EF4-4D652FC08757}"/>
+                <a16:creationId xmlns:a16="http://schemas.microsoft.com/office/drawing/2014/main" xmlns="" id="{CD0C133E-ADC0-0C4B-8EF4-4D652FC08757}"/>
               </a:ext>
             </a:extLst>
           </p:cNvPr>
@@ -4151,7 +4414,7 @@
           <p:cNvPr id="4" name="スライド番号プレースホルダー 3">
             <a:extLst>
               <a:ext uri="{FF2B5EF4-FFF2-40B4-BE49-F238E27FC236}">
-                <a16:creationId xmlns:a16="http://schemas.microsoft.com/office/drawing/2014/main" id="{159525F1-B3DD-F241-80A0-B84BEF60A491}"/>
+                <a16:creationId xmlns:a16="http://schemas.microsoft.com/office/drawing/2014/main" xmlns="" id="{159525F1-B3DD-F241-80A0-B84BEF60A491}"/>
               </a:ext>
             </a:extLst>
           </p:cNvPr>
@@ -4212,7 +4475,7 @@
           <p:cNvPr id="2" name="タイトル 1">
             <a:extLst>
               <a:ext uri="{FF2B5EF4-FFF2-40B4-BE49-F238E27FC236}">
-                <a16:creationId xmlns:a16="http://schemas.microsoft.com/office/drawing/2014/main" id="{3C64D971-FE6C-9B4B-B493-A91ACF0AA5BC}"/>
+                <a16:creationId xmlns:a16="http://schemas.microsoft.com/office/drawing/2014/main" xmlns="" id="{3C64D971-FE6C-9B4B-B493-A91ACF0AA5BC}"/>
               </a:ext>
             </a:extLst>
           </p:cNvPr>
@@ -4240,7 +4503,7 @@
           <p:cNvPr id="3" name="コンテンツ プレースホルダー 2">
             <a:extLst>
               <a:ext uri="{FF2B5EF4-FFF2-40B4-BE49-F238E27FC236}">
-                <a16:creationId xmlns:a16="http://schemas.microsoft.com/office/drawing/2014/main" id="{EAB01196-5F26-3C4A-8F4B-573EFAE33640}"/>
+                <a16:creationId xmlns:a16="http://schemas.microsoft.com/office/drawing/2014/main" xmlns="" id="{EAB01196-5F26-3C4A-8F4B-573EFAE33640}"/>
               </a:ext>
             </a:extLst>
           </p:cNvPr>
@@ -4318,7 +4581,7 @@
           <p:cNvPr id="4" name="スライド番号プレースホルダー 3">
             <a:extLst>
               <a:ext uri="{FF2B5EF4-FFF2-40B4-BE49-F238E27FC236}">
-                <a16:creationId xmlns:a16="http://schemas.microsoft.com/office/drawing/2014/main" id="{3BCFE4E8-1DD5-7344-8064-33E916555C9C}"/>
+                <a16:creationId xmlns:a16="http://schemas.microsoft.com/office/drawing/2014/main" xmlns="" id="{3BCFE4E8-1DD5-7344-8064-33E916555C9C}"/>
               </a:ext>
             </a:extLst>
           </p:cNvPr>
@@ -4379,7 +4642,7 @@
           <p:cNvPr id="2" name="タイトル 1">
             <a:extLst>
               <a:ext uri="{FF2B5EF4-FFF2-40B4-BE49-F238E27FC236}">
-                <a16:creationId xmlns:a16="http://schemas.microsoft.com/office/drawing/2014/main" id="{56699FCB-AC3F-894B-8CC6-E09841A68935}"/>
+                <a16:creationId xmlns:a16="http://schemas.microsoft.com/office/drawing/2014/main" xmlns="" id="{56699FCB-AC3F-894B-8CC6-E09841A68935}"/>
               </a:ext>
             </a:extLst>
           </p:cNvPr>
@@ -4407,7 +4670,7 @@
           <p:cNvPr id="4" name="スライド番号プレースホルダー 3">
             <a:extLst>
               <a:ext uri="{FF2B5EF4-FFF2-40B4-BE49-F238E27FC236}">
-                <a16:creationId xmlns:a16="http://schemas.microsoft.com/office/drawing/2014/main" id="{D0EB20B4-69D1-F44A-839A-4857EDC6C4C1}"/>
+                <a16:creationId xmlns:a16="http://schemas.microsoft.com/office/drawing/2014/main" xmlns="" id="{D0EB20B4-69D1-F44A-839A-4857EDC6C4C1}"/>
               </a:ext>
             </a:extLst>
           </p:cNvPr>
@@ -4438,7 +4701,7 @@
           <p:cNvPr id="12" name="コンテンツ プレースホルダー 11">
             <a:extLst>
               <a:ext uri="{FF2B5EF4-FFF2-40B4-BE49-F238E27FC236}">
-                <a16:creationId xmlns:a16="http://schemas.microsoft.com/office/drawing/2014/main" id="{53F6E09B-C5A7-D74F-A70A-8F5C19677E2A}"/>
+                <a16:creationId xmlns:a16="http://schemas.microsoft.com/office/drawing/2014/main" xmlns="" id="{53F6E09B-C5A7-D74F-A70A-8F5C19677E2A}"/>
               </a:ext>
             </a:extLst>
           </p:cNvPr>
@@ -4478,7 +4741,7 @@
           <p:cNvPr id="14" name="図 13">
             <a:extLst>
               <a:ext uri="{FF2B5EF4-FFF2-40B4-BE49-F238E27FC236}">
-                <a16:creationId xmlns:a16="http://schemas.microsoft.com/office/drawing/2014/main" id="{E29BF604-AB21-D441-8D0F-C79ED4078734}"/>
+                <a16:creationId xmlns:a16="http://schemas.microsoft.com/office/drawing/2014/main" xmlns="" id="{E29BF604-AB21-D441-8D0F-C79ED4078734}"/>
               </a:ext>
             </a:extLst>
           </p:cNvPr>
@@ -4514,7 +4777,7 @@
           <p:cNvPr id="15" name="下矢印 14">
             <a:extLst>
               <a:ext uri="{FF2B5EF4-FFF2-40B4-BE49-F238E27FC236}">
-                <a16:creationId xmlns:a16="http://schemas.microsoft.com/office/drawing/2014/main" id="{A1D3BA8D-5053-0F40-ADA1-DD1E3EEC1D4D}"/>
+                <a16:creationId xmlns:a16="http://schemas.microsoft.com/office/drawing/2014/main" xmlns="" id="{A1D3BA8D-5053-0F40-ADA1-DD1E3EEC1D4D}"/>
               </a:ext>
             </a:extLst>
           </p:cNvPr>
@@ -4598,7 +4861,7 @@
           <p:cNvPr id="2" name="タイトル 1">
             <a:extLst>
               <a:ext uri="{FF2B5EF4-FFF2-40B4-BE49-F238E27FC236}">
-                <a16:creationId xmlns:a16="http://schemas.microsoft.com/office/drawing/2014/main" id="{72237F30-41FA-3B49-BCCB-58CE879C60D7}"/>
+                <a16:creationId xmlns:a16="http://schemas.microsoft.com/office/drawing/2014/main" xmlns="" id="{72237F30-41FA-3B49-BCCB-58CE879C60D7}"/>
               </a:ext>
             </a:extLst>
           </p:cNvPr>
@@ -4628,7 +4891,7 @@
           <p:cNvPr id="3" name="コンテンツ プレースホルダー 2">
             <a:extLst>
               <a:ext uri="{FF2B5EF4-FFF2-40B4-BE49-F238E27FC236}">
-                <a16:creationId xmlns:a16="http://schemas.microsoft.com/office/drawing/2014/main" id="{46289B57-F74D-7A48-8EFB-B088940DB79C}"/>
+                <a16:creationId xmlns:a16="http://schemas.microsoft.com/office/drawing/2014/main" xmlns="" id="{46289B57-F74D-7A48-8EFB-B088940DB79C}"/>
               </a:ext>
             </a:extLst>
           </p:cNvPr>
@@ -4693,7 +4956,7 @@
           <p:cNvPr id="4" name="スライド番号プレースホルダー 3">
             <a:extLst>
               <a:ext uri="{FF2B5EF4-FFF2-40B4-BE49-F238E27FC236}">
-                <a16:creationId xmlns:a16="http://schemas.microsoft.com/office/drawing/2014/main" id="{CAA046AB-ACBE-F54C-937E-0F5EADA21A9E}"/>
+                <a16:creationId xmlns:a16="http://schemas.microsoft.com/office/drawing/2014/main" xmlns="" id="{CAA046AB-ACBE-F54C-937E-0F5EADA21A9E}"/>
               </a:ext>
             </a:extLst>
           </p:cNvPr>
@@ -4724,7 +4987,7 @@
           <p:cNvPr id="5" name="下矢印 4">
             <a:extLst>
               <a:ext uri="{FF2B5EF4-FFF2-40B4-BE49-F238E27FC236}">
-                <a16:creationId xmlns:a16="http://schemas.microsoft.com/office/drawing/2014/main" id="{EDD09619-AE7B-7A49-A5C2-6DA745A24BE4}"/>
+                <a16:creationId xmlns:a16="http://schemas.microsoft.com/office/drawing/2014/main" xmlns="" id="{EDD09619-AE7B-7A49-A5C2-6DA745A24BE4}"/>
               </a:ext>
             </a:extLst>
           </p:cNvPr>
@@ -4808,7 +5071,7 @@
           <p:cNvPr id="2" name="タイトル 1">
             <a:extLst>
               <a:ext uri="{FF2B5EF4-FFF2-40B4-BE49-F238E27FC236}">
-                <a16:creationId xmlns:a16="http://schemas.microsoft.com/office/drawing/2014/main" id="{DD8DEF57-DB5B-0B41-8FA1-3A80B76D2EC8}"/>
+                <a16:creationId xmlns:a16="http://schemas.microsoft.com/office/drawing/2014/main" xmlns="" id="{DD8DEF57-DB5B-0B41-8FA1-3A80B76D2EC8}"/>
               </a:ext>
             </a:extLst>
           </p:cNvPr>
@@ -4836,7 +5099,7 @@
           <p:cNvPr id="3" name="コンテンツ プレースホルダー 2">
             <a:extLst>
               <a:ext uri="{FF2B5EF4-FFF2-40B4-BE49-F238E27FC236}">
-                <a16:creationId xmlns:a16="http://schemas.microsoft.com/office/drawing/2014/main" id="{C74AE959-3B5C-DE4A-9E39-FB863C7B463E}"/>
+                <a16:creationId xmlns:a16="http://schemas.microsoft.com/office/drawing/2014/main" xmlns="" id="{C74AE959-3B5C-DE4A-9E39-FB863C7B463E}"/>
               </a:ext>
             </a:extLst>
           </p:cNvPr>
@@ -4917,7 +5180,7 @@
           <p:cNvPr id="4" name="スライド番号プレースホルダー 3">
             <a:extLst>
               <a:ext uri="{FF2B5EF4-FFF2-40B4-BE49-F238E27FC236}">
-                <a16:creationId xmlns:a16="http://schemas.microsoft.com/office/drawing/2014/main" id="{84657A72-8C84-C047-8FB7-CCE6A5254260}"/>
+                <a16:creationId xmlns:a16="http://schemas.microsoft.com/office/drawing/2014/main" xmlns="" id="{84657A72-8C84-C047-8FB7-CCE6A5254260}"/>
               </a:ext>
             </a:extLst>
           </p:cNvPr>
@@ -4975,13 +5238,7 @@
       </p:grpSpPr>
       <p:sp>
         <p:nvSpPr>
-          <p:cNvPr id="2" name="タイトル 1">
-            <a:extLst>
-              <a:ext uri="{FF2B5EF4-FFF2-40B4-BE49-F238E27FC236}">
-                <a16:creationId xmlns:a16="http://schemas.microsoft.com/office/drawing/2014/main" id="{9B5D0F02-6893-5C40-960B-6F9A1D16F02E}"/>
-              </a:ext>
-            </a:extLst>
-          </p:cNvPr>
+          <p:cNvPr id="2" name="タイトル 1"/>
           <p:cNvSpPr>
             <a:spLocks noGrp="1"/>
           </p:cNvSpPr>
@@ -4995,21 +5252,20 @@
           <a:lstStyle/>
           <a:p>
             <a:r>
-              <a:rPr kumimoji="1" lang="ja-JP" altLang="en-US"/>
-              <a:t>課題</a:t>
-            </a:r>
-          </a:p>
-        </p:txBody>
-      </p:sp>
-      <p:sp>
-        <p:nvSpPr>
-          <p:cNvPr id="3" name="コンテンツ プレースホルダー 2">
-            <a:extLst>
-              <a:ext uri="{FF2B5EF4-FFF2-40B4-BE49-F238E27FC236}">
-                <a16:creationId xmlns:a16="http://schemas.microsoft.com/office/drawing/2014/main" id="{023975DF-E93F-6842-B158-15EA8B104462}"/>
-              </a:ext>
-            </a:extLst>
-          </p:cNvPr>
+              <a:rPr kumimoji="1" lang="en-US" altLang="ja-JP" dirty="0" smtClean="0"/>
+              <a:t>LTI</a:t>
+            </a:r>
+            <a:r>
+              <a:rPr kumimoji="1" lang="ja-JP" altLang="en-US" dirty="0" smtClean="0"/>
+              <a:t>の進捗</a:t>
+            </a:r>
+            <a:endParaRPr kumimoji="1" lang="ja-JP" altLang="en-US" dirty="0"/>
+          </a:p>
+        </p:txBody>
+      </p:sp>
+      <p:sp>
+        <p:nvSpPr>
+          <p:cNvPr id="3" name="コンテンツ プレースホルダー 2"/>
           <p:cNvSpPr>
             <a:spLocks noGrp="1"/>
           </p:cNvSpPr>
@@ -5023,36 +5279,38 @@
           <a:lstStyle/>
           <a:p>
             <a:r>
-              <a:rPr kumimoji="1" lang="en-US" altLang="ja-JP" dirty="0" err="1"/>
-              <a:t>netJson</a:t>
-            </a:r>
-            <a:endParaRPr kumimoji="1" lang="en-US" altLang="ja-JP" dirty="0"/>
-          </a:p>
-          <a:p>
-            <a:endParaRPr kumimoji="1" lang="en-US" altLang="ja-JP" dirty="0"/>
-          </a:p>
-          <a:p>
-            <a:r>
-              <a:rPr lang="en-US" altLang="ja-JP" dirty="0"/>
-              <a:t>PC</a:t>
-            </a:r>
-            <a:r>
-              <a:rPr lang="ja-JP" altLang="en-US"/>
-              <a:t>やルータを自由に線でつなぐ</a:t>
-            </a:r>
-            <a:endParaRPr kumimoji="1" lang="ja-JP" altLang="en-US"/>
-          </a:p>
-        </p:txBody>
-      </p:sp>
-      <p:sp>
-        <p:nvSpPr>
-          <p:cNvPr id="4" name="スライド番号プレースホルダー 3">
-            <a:extLst>
-              <a:ext uri="{FF2B5EF4-FFF2-40B4-BE49-F238E27FC236}">
-                <a16:creationId xmlns:a16="http://schemas.microsoft.com/office/drawing/2014/main" id="{FC6EE1D2-DEED-EC4C-82FF-D0C0D0A20C67}"/>
-              </a:ext>
-            </a:extLst>
-          </p:cNvPr>
+              <a:rPr lang="ja-JP" altLang="en-US" dirty="0" smtClean="0"/>
+              <a:t>正しい</a:t>
+            </a:r>
+            <a:r>
+              <a:rPr lang="en-US" altLang="ja-JP" dirty="0" err="1" smtClean="0"/>
+              <a:t>Oauth_signature</a:t>
+            </a:r>
+            <a:r>
+              <a:rPr lang="ja-JP" altLang="en-US" dirty="0" smtClean="0"/>
+              <a:t>を作るプログラムの制作完了</a:t>
+            </a:r>
+            <a:endParaRPr lang="en-US" altLang="ja-JP" dirty="0" smtClean="0"/>
+          </a:p>
+          <a:p>
+            <a:r>
+              <a:rPr lang="en-US" altLang="ja-JP" dirty="0" smtClean="0"/>
+              <a:t>Redirect</a:t>
+            </a:r>
+            <a:r>
+              <a:rPr lang="ja-JP" altLang="en-US" dirty="0" smtClean="0"/>
+              <a:t>ページの制作</a:t>
+            </a:r>
+            <a:endParaRPr lang="en-US" altLang="ja-JP" dirty="0"/>
+          </a:p>
+          <a:p>
+            <a:endParaRPr kumimoji="1" lang="ja-JP" altLang="en-US" dirty="0"/>
+          </a:p>
+        </p:txBody>
+      </p:sp>
+      <p:sp>
+        <p:nvSpPr>
+          <p:cNvPr id="4" name="スライド番号プレースホルダー 3"/>
           <p:cNvSpPr>
             <a:spLocks noGrp="1"/>
           </p:cNvSpPr>
@@ -5078,7 +5336,261 @@
     </p:spTree>
     <p:extLst>
       <p:ext uri="{BB962C8B-B14F-4D97-AF65-F5344CB8AC3E}">
-        <p14:creationId xmlns:p14="http://schemas.microsoft.com/office/powerpoint/2010/main" val="2015153303"/>
+        <p14:creationId xmlns:p14="http://schemas.microsoft.com/office/powerpoint/2010/main" val="178369754"/>
+      </p:ext>
+    </p:extLst>
+  </p:cSld>
+  <p:clrMapOvr>
+    <a:masterClrMapping/>
+  </p:clrMapOvr>
+</p:sld>
+</file>
+
+<file path=ppt/slides/slide8.xml><?xml version="1.0" encoding="utf-8"?>
+<p:sld xmlns:a="http://schemas.openxmlformats.org/drawingml/2006/main" xmlns:r="http://schemas.openxmlformats.org/officeDocument/2006/relationships" xmlns:p="http://schemas.openxmlformats.org/presentationml/2006/main">
+  <p:cSld>
+    <p:spTree>
+      <p:nvGrpSpPr>
+        <p:cNvPr id="1" name=""/>
+        <p:cNvGrpSpPr/>
+        <p:nvPr/>
+      </p:nvGrpSpPr>
+      <p:grpSpPr>
+        <a:xfrm>
+          <a:off x="0" y="0"/>
+          <a:ext cx="0" cy="0"/>
+          <a:chOff x="0" y="0"/>
+          <a:chExt cx="0" cy="0"/>
+        </a:xfrm>
+      </p:grpSpPr>
+      <p:sp>
+        <p:nvSpPr>
+          <p:cNvPr id="2" name="タイトル 1"/>
+          <p:cNvSpPr>
+            <a:spLocks noGrp="1"/>
+          </p:cNvSpPr>
+          <p:nvPr>
+            <p:ph type="title"/>
+          </p:nvPr>
+        </p:nvSpPr>
+        <p:spPr/>
+        <p:txBody>
+          <a:bodyPr/>
+          <a:lstStyle/>
+          <a:p>
+            <a:r>
+              <a:rPr kumimoji="1" lang="ja-JP" altLang="en-US" dirty="0" smtClean="0"/>
+              <a:t>署名</a:t>
+            </a:r>
+            <a:endParaRPr kumimoji="1" lang="ja-JP" altLang="en-US" dirty="0"/>
+          </a:p>
+        </p:txBody>
+      </p:sp>
+      <p:sp>
+        <p:nvSpPr>
+          <p:cNvPr id="3" name="コンテンツ プレースホルダー 2"/>
+          <p:cNvSpPr>
+            <a:spLocks noGrp="1"/>
+          </p:cNvSpPr>
+          <p:nvPr>
+            <p:ph idx="1"/>
+          </p:nvPr>
+        </p:nvSpPr>
+        <p:spPr/>
+        <p:txBody>
+          <a:bodyPr/>
+          <a:lstStyle/>
+          <a:p>
+            <a:r>
+              <a:rPr kumimoji="1" lang="ja-JP" altLang="en-US" dirty="0" smtClean="0"/>
+              <a:t>前回、暗号化する前の文字列までは正しかった</a:t>
+            </a:r>
+            <a:r>
+              <a:rPr kumimoji="1" lang="en-US" altLang="ja-JP" dirty="0" smtClean="0"/>
+              <a:t/>
+            </a:r>
+            <a:br>
+              <a:rPr kumimoji="1" lang="en-US" altLang="ja-JP" dirty="0" smtClean="0"/>
+            </a:br>
+            <a:r>
+              <a:rPr kumimoji="1" lang="ja-JP" altLang="en-US" sz="2400" dirty="0" smtClean="0"/>
+              <a:t>ー検証した結果、書いていたプログラムに間違いはなく、暗号化するにあたって必要だった要素である、</a:t>
+            </a:r>
+            <a:r>
+              <a:rPr kumimoji="1" lang="en-US" altLang="ja-JP" sz="2400" dirty="0" smtClean="0"/>
+              <a:t>timestamp</a:t>
+            </a:r>
+            <a:r>
+              <a:rPr kumimoji="1" lang="ja-JP" altLang="en-US" sz="2400" dirty="0" smtClean="0"/>
+              <a:t>が間違ったものが送られていただけだった。</a:t>
+            </a:r>
+            <a:endParaRPr kumimoji="1" lang="en-US" altLang="ja-JP" sz="2400" dirty="0" smtClean="0"/>
+          </a:p>
+          <a:p>
+            <a:r>
+              <a:rPr kumimoji="1" lang="en-US" altLang="ja-JP" sz="2400" dirty="0" smtClean="0"/>
+              <a:t>Timestamp</a:t>
+            </a:r>
+            <a:r>
+              <a:rPr kumimoji="1" lang="ja-JP" altLang="en-US" sz="2400" dirty="0" smtClean="0"/>
+              <a:t>が正しいものか判定する部分を作ることで対処</a:t>
+            </a:r>
+            <a:endParaRPr kumimoji="1" lang="en-US" altLang="ja-JP" sz="2400" dirty="0" smtClean="0"/>
+          </a:p>
+        </p:txBody>
+      </p:sp>
+      <p:sp>
+        <p:nvSpPr>
+          <p:cNvPr id="4" name="スライド番号プレースホルダー 3"/>
+          <p:cNvSpPr>
+            <a:spLocks noGrp="1"/>
+          </p:cNvSpPr>
+          <p:nvPr>
+            <p:ph type="sldNum" sz="quarter" idx="12"/>
+          </p:nvPr>
+        </p:nvSpPr>
+        <p:spPr/>
+        <p:txBody>
+          <a:bodyPr/>
+          <a:lstStyle/>
+          <a:p>
+            <a:pPr algn="ctr"/>
+            <a:fld id="{CA23F248-F353-4F36-A746-B1953A38AE2D}" type="slidenum">
+              <a:rPr lang="ja-JP" altLang="en-US" smtClean="0"/>
+              <a:pPr algn="ctr"/>
+              <a:t>8</a:t>
+            </a:fld>
+            <a:endParaRPr lang="ja-JP" altLang="en-US" dirty="0"/>
+          </a:p>
+        </p:txBody>
+      </p:sp>
+    </p:spTree>
+    <p:extLst>
+      <p:ext uri="{BB962C8B-B14F-4D97-AF65-F5344CB8AC3E}">
+        <p14:creationId xmlns:p14="http://schemas.microsoft.com/office/powerpoint/2010/main" val="556477732"/>
+      </p:ext>
+    </p:extLst>
+  </p:cSld>
+  <p:clrMapOvr>
+    <a:masterClrMapping/>
+  </p:clrMapOvr>
+</p:sld>
+</file>
+
+<file path=ppt/slides/slide9.xml><?xml version="1.0" encoding="utf-8"?>
+<p:sld xmlns:a="http://schemas.openxmlformats.org/drawingml/2006/main" xmlns:r="http://schemas.openxmlformats.org/officeDocument/2006/relationships" xmlns:p="http://schemas.openxmlformats.org/presentationml/2006/main">
+  <p:cSld>
+    <p:spTree>
+      <p:nvGrpSpPr>
+        <p:cNvPr id="1" name=""/>
+        <p:cNvGrpSpPr/>
+        <p:nvPr/>
+      </p:nvGrpSpPr>
+      <p:grpSpPr>
+        <a:xfrm>
+          <a:off x="0" y="0"/>
+          <a:ext cx="0" cy="0"/>
+          <a:chOff x="0" y="0"/>
+          <a:chExt cx="0" cy="0"/>
+        </a:xfrm>
+      </p:grpSpPr>
+      <p:sp>
+        <p:nvSpPr>
+          <p:cNvPr id="2" name="タイトル 1"/>
+          <p:cNvSpPr>
+            <a:spLocks noGrp="1"/>
+          </p:cNvSpPr>
+          <p:nvPr>
+            <p:ph type="title"/>
+          </p:nvPr>
+        </p:nvSpPr>
+        <p:spPr/>
+        <p:txBody>
+          <a:bodyPr/>
+          <a:lstStyle/>
+          <a:p>
+            <a:r>
+              <a:rPr kumimoji="1" lang="en-US" altLang="ja-JP" dirty="0" smtClean="0"/>
+              <a:t>LTI</a:t>
+            </a:r>
+            <a:r>
+              <a:rPr lang="ja-JP" altLang="en-US" dirty="0" smtClean="0"/>
+              <a:t>化に向けて</a:t>
+            </a:r>
+            <a:endParaRPr kumimoji="1" lang="ja-JP" altLang="en-US" dirty="0"/>
+          </a:p>
+        </p:txBody>
+      </p:sp>
+      <p:sp>
+        <p:nvSpPr>
+          <p:cNvPr id="3" name="コンテンツ プレースホルダー 2"/>
+          <p:cNvSpPr>
+            <a:spLocks noGrp="1"/>
+          </p:cNvSpPr>
+          <p:nvPr>
+            <p:ph idx="1"/>
+          </p:nvPr>
+        </p:nvSpPr>
+        <p:spPr/>
+        <p:txBody>
+          <a:bodyPr/>
+          <a:lstStyle/>
+          <a:p>
+            <a:r>
+              <a:rPr kumimoji="1" lang="en-US" altLang="ja-JP" dirty="0" smtClean="0"/>
+              <a:t>LTI</a:t>
+            </a:r>
+            <a:r>
+              <a:rPr kumimoji="1" lang="ja-JP" altLang="en-US" dirty="0" smtClean="0"/>
+              <a:t>化のチュートリアル</a:t>
+            </a:r>
+            <a:r>
+              <a:rPr lang="en-US" altLang="ja-JP" dirty="0" smtClean="0">
+                <a:hlinkClick r:id="rId2"/>
+              </a:rPr>
+              <a:t>https://canvas.instructure.com/courses/785215/assignments/2233111?module_item_id=4761769</a:t>
+            </a:r>
+            <a:r>
+              <a:rPr lang="ja-JP" altLang="en-US" dirty="0"/>
+              <a:t> </a:t>
+            </a:r>
+            <a:r>
+              <a:rPr lang="ja-JP" altLang="en-US" dirty="0" smtClean="0"/>
+              <a:t>を進めた</a:t>
+            </a:r>
+            <a:endParaRPr lang="en-US" altLang="ja-JP" dirty="0" smtClean="0"/>
+          </a:p>
+        </p:txBody>
+      </p:sp>
+      <p:sp>
+        <p:nvSpPr>
+          <p:cNvPr id="4" name="スライド番号プレースホルダー 3"/>
+          <p:cNvSpPr>
+            <a:spLocks noGrp="1"/>
+          </p:cNvSpPr>
+          <p:nvPr>
+            <p:ph type="sldNum" sz="quarter" idx="12"/>
+          </p:nvPr>
+        </p:nvSpPr>
+        <p:spPr/>
+        <p:txBody>
+          <a:bodyPr/>
+          <a:lstStyle/>
+          <a:p>
+            <a:pPr algn="ctr"/>
+            <a:fld id="{CA23F248-F353-4F36-A746-B1953A38AE2D}" type="slidenum">
+              <a:rPr lang="ja-JP" altLang="en-US" smtClean="0"/>
+              <a:pPr algn="ctr"/>
+              <a:t>9</a:t>
+            </a:fld>
+            <a:endParaRPr lang="ja-JP" altLang="en-US" dirty="0"/>
+          </a:p>
+        </p:txBody>
+      </p:sp>
+    </p:spTree>
+    <p:extLst>
+      <p:ext uri="{BB962C8B-B14F-4D97-AF65-F5344CB8AC3E}">
+        <p14:creationId xmlns:p14="http://schemas.microsoft.com/office/powerpoint/2010/main" val="2123789704"/>
       </p:ext>
     </p:extLst>
   </p:cSld>

--- a/1021進捗.pptx
+++ b/1021進捗.pptx
@@ -5,7 +5,7 @@
     <p:sldMasterId id="2147483648" r:id="rId1"/>
   </p:sldMasterIdLst>
   <p:notesMasterIdLst>
-    <p:notesMasterId r:id="rId13"/>
+    <p:notesMasterId r:id="rId9"/>
   </p:notesMasterIdLst>
   <p:sldIdLst>
     <p:sldId id="256" r:id="rId2"/>
@@ -14,11 +14,7 @@
     <p:sldId id="259" r:id="rId5"/>
     <p:sldId id="262" r:id="rId6"/>
     <p:sldId id="260" r:id="rId7"/>
-    <p:sldId id="263" r:id="rId8"/>
-    <p:sldId id="264" r:id="rId9"/>
-    <p:sldId id="265" r:id="rId10"/>
-    <p:sldId id="266" r:id="rId11"/>
-    <p:sldId id="261" r:id="rId12"/>
+    <p:sldId id="261" r:id="rId8"/>
   </p:sldIdLst>
   <p:sldSz cx="9144000" cy="6858000" type="screen4x3"/>
   <p:notesSz cx="6858000" cy="9144000"/>
@@ -128,10 +124,6 @@
             <p14:sldId id="259"/>
             <p14:sldId id="262"/>
             <p14:sldId id="260"/>
-            <p14:sldId id="263"/>
-            <p14:sldId id="264"/>
-            <p14:sldId id="265"/>
-            <p14:sldId id="266"/>
             <p14:sldId id="261"/>
           </p14:sldIdLst>
         </p14:section>
@@ -240,7 +232,7 @@
           <a:p>
             <a:fld id="{803DD6A6-FCD2-4EE7-8E6E-99C1A1F687BC}" type="datetimeFigureOut">
               <a:rPr kumimoji="1" lang="ja-JP" altLang="en-US" smtClean="0"/>
-              <a:t>2018/10/22</a:t>
+              <a:t>2018/10/20</a:t>
             </a:fld>
             <a:endParaRPr kumimoji="1" lang="ja-JP" altLang="en-US"/>
           </a:p>
@@ -583,6 +575,105 @@
           <a:bodyPr/>
           <a:lstStyle/>
           <a:p>
+            <a:r>
+              <a:rPr kumimoji="1" lang="en-US" altLang="ja-JP" dirty="0"/>
+              <a:t>Main</a:t>
+            </a:r>
+            <a:r>
+              <a:rPr kumimoji="1" lang="ja-JP" altLang="en-US"/>
+              <a:t>側にドロップした</a:t>
+            </a:r>
+            <a:r>
+              <a:rPr kumimoji="1" lang="en-US" altLang="ja-JP" dirty="0"/>
+              <a:t>PC</a:t>
+            </a:r>
+            <a:r>
+              <a:rPr kumimoji="1" lang="ja-JP" altLang="en-US"/>
+              <a:t>やルータでのみ、変化した画像を表示</a:t>
+            </a:r>
+          </a:p>
+        </p:txBody>
+      </p:sp>
+      <p:sp>
+        <p:nvSpPr>
+          <p:cNvPr id="4" name="スライド番号プレースホルダー 3"/>
+          <p:cNvSpPr>
+            <a:spLocks noGrp="1"/>
+          </p:cNvSpPr>
+          <p:nvPr>
+            <p:ph type="sldNum" sz="quarter" idx="5"/>
+          </p:nvPr>
+        </p:nvSpPr>
+        <p:spPr/>
+        <p:txBody>
+          <a:bodyPr/>
+          <a:lstStyle/>
+          <a:p>
+            <a:fld id="{11C3B0B9-599D-43DE-835D-2976AC58AA40}" type="slidenum">
+              <a:rPr kumimoji="1" lang="ja-JP" altLang="en-US" smtClean="0"/>
+              <a:t>4</a:t>
+            </a:fld>
+            <a:endParaRPr kumimoji="1" lang="ja-JP" altLang="en-US"/>
+          </a:p>
+        </p:txBody>
+      </p:sp>
+    </p:spTree>
+    <p:extLst>
+      <p:ext uri="{BB962C8B-B14F-4D97-AF65-F5344CB8AC3E}">
+        <p14:creationId xmlns:p14="http://schemas.microsoft.com/office/powerpoint/2010/main" val="2128857467"/>
+      </p:ext>
+    </p:extLst>
+  </p:cSld>
+  <p:clrMapOvr>
+    <a:masterClrMapping/>
+  </p:clrMapOvr>
+</p:notes>
+</file>
+
+<file path=ppt/notesSlides/notesSlide2.xml><?xml version="1.0" encoding="utf-8"?>
+<p:notes xmlns:a="http://schemas.openxmlformats.org/drawingml/2006/main" xmlns:r="http://schemas.openxmlformats.org/officeDocument/2006/relationships" xmlns:p="http://schemas.openxmlformats.org/presentationml/2006/main">
+  <p:cSld>
+    <p:spTree>
+      <p:nvGrpSpPr>
+        <p:cNvPr id="1" name=""/>
+        <p:cNvGrpSpPr/>
+        <p:nvPr/>
+      </p:nvGrpSpPr>
+      <p:grpSpPr>
+        <a:xfrm>
+          <a:off x="0" y="0"/>
+          <a:ext cx="0" cy="0"/>
+          <a:chOff x="0" y="0"/>
+          <a:chExt cx="0" cy="0"/>
+        </a:xfrm>
+      </p:grpSpPr>
+      <p:sp>
+        <p:nvSpPr>
+          <p:cNvPr id="2" name="スライド イメージ プレースホルダー 1"/>
+          <p:cNvSpPr>
+            <a:spLocks noGrp="1" noRot="1" noChangeAspect="1"/>
+          </p:cNvSpPr>
+          <p:nvPr>
+            <p:ph type="sldImg"/>
+          </p:nvPr>
+        </p:nvSpPr>
+        <p:spPr/>
+      </p:sp>
+      <p:sp>
+        <p:nvSpPr>
+          <p:cNvPr id="3" name="ノート プレースホルダー 2"/>
+          <p:cNvSpPr>
+            <a:spLocks noGrp="1"/>
+          </p:cNvSpPr>
+          <p:nvPr>
+            <p:ph type="body" idx="1"/>
+          </p:nvPr>
+        </p:nvSpPr>
+        <p:spPr/>
+        <p:txBody>
+          <a:bodyPr/>
+          <a:lstStyle/>
+          <a:p>
             <a:endParaRPr kumimoji="1" lang="ja-JP" altLang="en-US"/>
           </a:p>
         </p:txBody>
@@ -1009,7 +1100,7 @@
           <a:p>
             <a:fld id="{0C2D592E-2292-4305-9592-EC97400E21B7}" type="datetime1">
               <a:rPr kumimoji="1" lang="ja-JP" altLang="en-US" smtClean="0"/>
-              <a:t>2018/10/22</a:t>
+              <a:t>2018/10/20</a:t>
             </a:fld>
             <a:endParaRPr kumimoji="1" lang="ja-JP" altLang="en-US"/>
           </a:p>
@@ -1219,7 +1310,7 @@
           <a:p>
             <a:fld id="{E508CA83-B01D-4BAB-B4E2-CF9244F45EF5}" type="datetime1">
               <a:rPr kumimoji="1" lang="ja-JP" altLang="en-US" smtClean="0"/>
-              <a:t>2018/10/22</a:t>
+              <a:t>2018/10/20</a:t>
             </a:fld>
             <a:endParaRPr kumimoji="1" lang="ja-JP" altLang="en-US"/>
           </a:p>
@@ -1424,7 +1515,7 @@
           <a:p>
             <a:fld id="{01E93D1F-BE2F-43FF-9803-5758F1FF87BE}" type="datetime1">
               <a:rPr kumimoji="1" lang="ja-JP" altLang="en-US" smtClean="0"/>
-              <a:t>2018/10/22</a:t>
+              <a:t>2018/10/20</a:t>
             </a:fld>
             <a:endParaRPr kumimoji="1" lang="ja-JP" altLang="en-US"/>
           </a:p>
@@ -1741,7 +1832,7 @@
           <a:p>
             <a:fld id="{EFA39CE0-7535-4E0E-AFE3-F465E7C7C0FF}" type="datetime1">
               <a:rPr kumimoji="1" lang="ja-JP" altLang="en-US" smtClean="0"/>
-              <a:t>2018/10/22</a:t>
+              <a:t>2018/10/20</a:t>
             </a:fld>
             <a:endParaRPr kumimoji="1" lang="ja-JP" altLang="en-US"/>
           </a:p>
@@ -2090,7 +2181,7 @@
           <a:p>
             <a:fld id="{D45C9DD0-C75C-4A45-9030-13826D815CA0}" type="datetime1">
               <a:rPr kumimoji="1" lang="ja-JP" altLang="en-US" smtClean="0"/>
-              <a:t>2018/10/22</a:t>
+              <a:t>2018/10/20</a:t>
             </a:fld>
             <a:endParaRPr kumimoji="1" lang="ja-JP" altLang="en-US"/>
           </a:p>
@@ -2573,7 +2664,7 @@
           <a:p>
             <a:fld id="{CCA1C7AD-18BB-4F25-AC23-F39BF79F4D77}" type="datetime1">
               <a:rPr kumimoji="1" lang="ja-JP" altLang="en-US" smtClean="0"/>
-              <a:t>2018/10/22</a:t>
+              <a:t>2018/10/20</a:t>
             </a:fld>
             <a:endParaRPr kumimoji="1" lang="ja-JP" altLang="en-US"/>
           </a:p>
@@ -2690,7 +2781,7 @@
           <a:p>
             <a:fld id="{AF8EE08C-AC9E-42E7-9719-2A54CCDFBD7D}" type="datetime1">
               <a:rPr kumimoji="1" lang="ja-JP" altLang="en-US" smtClean="0"/>
-              <a:t>2018/10/22</a:t>
+              <a:t>2018/10/20</a:t>
             </a:fld>
             <a:endParaRPr kumimoji="1" lang="ja-JP" altLang="en-US"/>
           </a:p>
@@ -2785,7 +2876,7 @@
           <a:p>
             <a:fld id="{B8073CA2-C66C-41D1-B499-CAA6DB7D7D3A}" type="datetime1">
               <a:rPr kumimoji="1" lang="ja-JP" altLang="en-US" smtClean="0"/>
-              <a:t>2018/10/22</a:t>
+              <a:t>2018/10/20</a:t>
             </a:fld>
             <a:endParaRPr kumimoji="1" lang="ja-JP" altLang="en-US"/>
           </a:p>
@@ -3092,7 +3183,7 @@
           <a:p>
             <a:fld id="{DFBD8235-0C14-4155-9991-B1E146E33912}" type="datetime1">
               <a:rPr kumimoji="1" lang="ja-JP" altLang="en-US" smtClean="0"/>
-              <a:t>2018/10/22</a:t>
+              <a:t>2018/10/20</a:t>
             </a:fld>
             <a:endParaRPr kumimoji="1" lang="ja-JP" altLang="en-US"/>
           </a:p>
@@ -3347,7 +3438,7 @@
           <a:p>
             <a:fld id="{2A91B658-7182-4FD9-A82F-002C38D9BA43}" type="datetime1">
               <a:rPr kumimoji="1" lang="ja-JP" altLang="en-US" smtClean="0"/>
-              <a:t>2018/10/22</a:t>
+              <a:t>2018/10/20</a:t>
             </a:fld>
             <a:endParaRPr kumimoji="1" lang="ja-JP" altLang="en-US"/>
           </a:p>
@@ -3590,7 +3681,7 @@
           <a:p>
             <a:fld id="{5EABF07F-C525-453C-82CD-1DECD51CCA53}" type="datetime1">
               <a:rPr kumimoji="1" lang="ja-JP" altLang="en-US" smtClean="0"/>
-              <a:t>2018/10/22</a:t>
+              <a:t>2018/10/20</a:t>
             </a:fld>
             <a:endParaRPr kumimoji="1" lang="ja-JP" altLang="en-US"/>
           </a:p>
@@ -4036,261 +4127,6 @@
 </p:sld>
 </file>
 
-<file path=ppt/slides/slide10.xml><?xml version="1.0" encoding="utf-8"?>
-<p:sld xmlns:a="http://schemas.openxmlformats.org/drawingml/2006/main" xmlns:r="http://schemas.openxmlformats.org/officeDocument/2006/relationships" xmlns:p="http://schemas.openxmlformats.org/presentationml/2006/main">
-  <p:cSld>
-    <p:spTree>
-      <p:nvGrpSpPr>
-        <p:cNvPr id="1" name=""/>
-        <p:cNvGrpSpPr/>
-        <p:nvPr/>
-      </p:nvGrpSpPr>
-      <p:grpSpPr>
-        <a:xfrm>
-          <a:off x="0" y="0"/>
-          <a:ext cx="0" cy="0"/>
-          <a:chOff x="0" y="0"/>
-          <a:chExt cx="0" cy="0"/>
-        </a:xfrm>
-      </p:grpSpPr>
-      <p:sp>
-        <p:nvSpPr>
-          <p:cNvPr id="2" name="タイトル 1"/>
-          <p:cNvSpPr>
-            <a:spLocks noGrp="1"/>
-          </p:cNvSpPr>
-          <p:nvPr>
-            <p:ph type="title"/>
-          </p:nvPr>
-        </p:nvSpPr>
-        <p:spPr/>
-        <p:txBody>
-          <a:bodyPr/>
-          <a:lstStyle/>
-          <a:p>
-            <a:r>
-              <a:rPr kumimoji="1" lang="ja-JP" altLang="en-US" dirty="0" smtClean="0"/>
-              <a:t>チュートリアル</a:t>
-            </a:r>
-            <a:endParaRPr kumimoji="1" lang="ja-JP" altLang="en-US" dirty="0"/>
-          </a:p>
-        </p:txBody>
-      </p:sp>
-      <p:sp>
-        <p:nvSpPr>
-          <p:cNvPr id="3" name="コンテンツ プレースホルダー 2"/>
-          <p:cNvSpPr>
-            <a:spLocks noGrp="1"/>
-          </p:cNvSpPr>
-          <p:nvPr>
-            <p:ph idx="1"/>
-          </p:nvPr>
-        </p:nvSpPr>
-        <p:spPr/>
-        <p:txBody>
-          <a:bodyPr/>
-          <a:lstStyle/>
-          <a:p>
-            <a:r>
-              <a:rPr kumimoji="1" lang="ja-JP" altLang="en-US" dirty="0" smtClean="0"/>
-              <a:t>セッション３にて、リダイレクトするときに</a:t>
-            </a:r>
-            <a:r>
-              <a:rPr lang="en-US" altLang="ja-JP" dirty="0" err="1" smtClean="0"/>
-              <a:t>lti_msg</a:t>
-            </a:r>
-            <a:r>
-              <a:rPr lang="ja-JP" altLang="en-US" dirty="0" smtClean="0"/>
-              <a:t>というクエリパラメータをつけて返せと言われたので、そのプログラムを製作中</a:t>
-            </a:r>
-            <a:endParaRPr kumimoji="1" lang="ja-JP" altLang="en-US" dirty="0"/>
-          </a:p>
-        </p:txBody>
-      </p:sp>
-      <p:sp>
-        <p:nvSpPr>
-          <p:cNvPr id="4" name="スライド番号プレースホルダー 3"/>
-          <p:cNvSpPr>
-            <a:spLocks noGrp="1"/>
-          </p:cNvSpPr>
-          <p:nvPr>
-            <p:ph type="sldNum" sz="quarter" idx="12"/>
-          </p:nvPr>
-        </p:nvSpPr>
-        <p:spPr/>
-        <p:txBody>
-          <a:bodyPr/>
-          <a:lstStyle/>
-          <a:p>
-            <a:pPr algn="ctr"/>
-            <a:fld id="{CA23F248-F353-4F36-A746-B1953A38AE2D}" type="slidenum">
-              <a:rPr lang="ja-JP" altLang="en-US" smtClean="0"/>
-              <a:pPr algn="ctr"/>
-              <a:t>10</a:t>
-            </a:fld>
-            <a:endParaRPr lang="ja-JP" altLang="en-US" dirty="0"/>
-          </a:p>
-        </p:txBody>
-      </p:sp>
-    </p:spTree>
-    <p:extLst>
-      <p:ext uri="{BB962C8B-B14F-4D97-AF65-F5344CB8AC3E}">
-        <p14:creationId xmlns:p14="http://schemas.microsoft.com/office/powerpoint/2010/main" val="901833779"/>
-      </p:ext>
-    </p:extLst>
-  </p:cSld>
-  <p:clrMapOvr>
-    <a:masterClrMapping/>
-  </p:clrMapOvr>
-</p:sld>
-</file>
-
-<file path=ppt/slides/slide11.xml><?xml version="1.0" encoding="utf-8"?>
-<p:sld xmlns:a="http://schemas.openxmlformats.org/drawingml/2006/main" xmlns:r="http://schemas.openxmlformats.org/officeDocument/2006/relationships" xmlns:p="http://schemas.openxmlformats.org/presentationml/2006/main">
-  <p:cSld>
-    <p:spTree>
-      <p:nvGrpSpPr>
-        <p:cNvPr id="1" name=""/>
-        <p:cNvGrpSpPr/>
-        <p:nvPr/>
-      </p:nvGrpSpPr>
-      <p:grpSpPr>
-        <a:xfrm>
-          <a:off x="0" y="0"/>
-          <a:ext cx="0" cy="0"/>
-          <a:chOff x="0" y="0"/>
-          <a:chExt cx="0" cy="0"/>
-        </a:xfrm>
-      </p:grpSpPr>
-      <p:sp>
-        <p:nvSpPr>
-          <p:cNvPr id="2" name="タイトル 1">
-            <a:extLst>
-              <a:ext uri="{FF2B5EF4-FFF2-40B4-BE49-F238E27FC236}">
-                <a16:creationId xmlns:a16="http://schemas.microsoft.com/office/drawing/2014/main" xmlns="" id="{9B5D0F02-6893-5C40-960B-6F9A1D16F02E}"/>
-              </a:ext>
-            </a:extLst>
-          </p:cNvPr>
-          <p:cNvSpPr>
-            <a:spLocks noGrp="1"/>
-          </p:cNvSpPr>
-          <p:nvPr>
-            <p:ph type="title"/>
-          </p:nvPr>
-        </p:nvSpPr>
-        <p:spPr/>
-        <p:txBody>
-          <a:bodyPr/>
-          <a:lstStyle/>
-          <a:p>
-            <a:r>
-              <a:rPr kumimoji="1" lang="ja-JP" altLang="en-US"/>
-              <a:t>課題</a:t>
-            </a:r>
-          </a:p>
-        </p:txBody>
-      </p:sp>
-      <p:sp>
-        <p:nvSpPr>
-          <p:cNvPr id="3" name="コンテンツ プレースホルダー 2">
-            <a:extLst>
-              <a:ext uri="{FF2B5EF4-FFF2-40B4-BE49-F238E27FC236}">
-                <a16:creationId xmlns:a16="http://schemas.microsoft.com/office/drawing/2014/main" xmlns="" id="{023975DF-E93F-6842-B158-15EA8B104462}"/>
-              </a:ext>
-            </a:extLst>
-          </p:cNvPr>
-          <p:cNvSpPr>
-            <a:spLocks noGrp="1"/>
-          </p:cNvSpPr>
-          <p:nvPr>
-            <p:ph idx="1"/>
-          </p:nvPr>
-        </p:nvSpPr>
-        <p:spPr/>
-        <p:txBody>
-          <a:bodyPr/>
-          <a:lstStyle/>
-          <a:p>
-            <a:r>
-              <a:rPr kumimoji="1" lang="en-US" altLang="ja-JP" dirty="0" err="1"/>
-              <a:t>netJson</a:t>
-            </a:r>
-            <a:endParaRPr kumimoji="1" lang="en-US" altLang="ja-JP" dirty="0"/>
-          </a:p>
-          <a:p>
-            <a:endParaRPr kumimoji="1" lang="en-US" altLang="ja-JP" dirty="0"/>
-          </a:p>
-          <a:p>
-            <a:r>
-              <a:rPr lang="en-US" altLang="ja-JP" dirty="0"/>
-              <a:t>PC</a:t>
-            </a:r>
-            <a:r>
-              <a:rPr lang="ja-JP" altLang="en-US" dirty="0"/>
-              <a:t>やルータを自由に線で</a:t>
-            </a:r>
-            <a:r>
-              <a:rPr lang="ja-JP" altLang="en-US" dirty="0" smtClean="0"/>
-              <a:t>つなぐ</a:t>
-            </a:r>
-            <a:endParaRPr lang="en-US" altLang="ja-JP" dirty="0" smtClean="0"/>
-          </a:p>
-          <a:p>
-            <a:endParaRPr kumimoji="1" lang="en-US" altLang="ja-JP" dirty="0"/>
-          </a:p>
-          <a:p>
-            <a:r>
-              <a:rPr lang="ja-JP" altLang="en-US" smtClean="0"/>
-              <a:t>チュートリアルを進める</a:t>
-            </a:r>
-            <a:endParaRPr kumimoji="1" lang="ja-JP" altLang="en-US"/>
-          </a:p>
-        </p:txBody>
-      </p:sp>
-      <p:sp>
-        <p:nvSpPr>
-          <p:cNvPr id="4" name="スライド番号プレースホルダー 3">
-            <a:extLst>
-              <a:ext uri="{FF2B5EF4-FFF2-40B4-BE49-F238E27FC236}">
-                <a16:creationId xmlns:a16="http://schemas.microsoft.com/office/drawing/2014/main" xmlns="" id="{FC6EE1D2-DEED-EC4C-82FF-D0C0D0A20C67}"/>
-              </a:ext>
-            </a:extLst>
-          </p:cNvPr>
-          <p:cNvSpPr>
-            <a:spLocks noGrp="1"/>
-          </p:cNvSpPr>
-          <p:nvPr>
-            <p:ph type="sldNum" sz="quarter" idx="12"/>
-          </p:nvPr>
-        </p:nvSpPr>
-        <p:spPr/>
-        <p:txBody>
-          <a:bodyPr/>
-          <a:lstStyle/>
-          <a:p>
-            <a:pPr algn="ctr"/>
-            <a:fld id="{CA23F248-F353-4F36-A746-B1953A38AE2D}" type="slidenum">
-              <a:rPr lang="ja-JP" altLang="en-US" smtClean="0"/>
-              <a:pPr algn="ctr"/>
-              <a:t>11</a:t>
-            </a:fld>
-            <a:endParaRPr lang="ja-JP" altLang="en-US" dirty="0"/>
-          </a:p>
-        </p:txBody>
-      </p:sp>
-    </p:spTree>
-    <p:extLst>
-      <p:ext uri="{BB962C8B-B14F-4D97-AF65-F5344CB8AC3E}">
-        <p14:creationId xmlns:p14="http://schemas.microsoft.com/office/powerpoint/2010/main" val="2015153303"/>
-      </p:ext>
-    </p:extLst>
-  </p:cSld>
-  <p:clrMapOvr>
-    <a:masterClrMapping/>
-  </p:clrMapOvr>
-</p:sld>
-</file>
-
 <file path=ppt/slides/slide2.xml><?xml version="1.0" encoding="utf-8"?>
 <p:sld xmlns:a="http://schemas.openxmlformats.org/drawingml/2006/main" xmlns:r="http://schemas.openxmlformats.org/officeDocument/2006/relationships" xmlns:p="http://schemas.openxmlformats.org/presentationml/2006/main">
   <p:cSld>
@@ -4313,7 +4149,7 @@
           <p:cNvPr id="2" name="タイトル 1">
             <a:extLst>
               <a:ext uri="{FF2B5EF4-FFF2-40B4-BE49-F238E27FC236}">
-                <a16:creationId xmlns:a16="http://schemas.microsoft.com/office/drawing/2014/main" xmlns="" id="{0B948189-D5B6-6542-B441-E4DDE08F5D2C}"/>
+                <a16:creationId xmlns:a16="http://schemas.microsoft.com/office/drawing/2014/main" id="{0B948189-D5B6-6542-B441-E4DDE08F5D2C}"/>
               </a:ext>
             </a:extLst>
           </p:cNvPr>
@@ -4341,7 +4177,7 @@
           <p:cNvPr id="3" name="コンテンツ プレースホルダー 2">
             <a:extLst>
               <a:ext uri="{FF2B5EF4-FFF2-40B4-BE49-F238E27FC236}">
-                <a16:creationId xmlns:a16="http://schemas.microsoft.com/office/drawing/2014/main" xmlns="" id="{CD0C133E-ADC0-0C4B-8EF4-4D652FC08757}"/>
+                <a16:creationId xmlns:a16="http://schemas.microsoft.com/office/drawing/2014/main" id="{CD0C133E-ADC0-0C4B-8EF4-4D652FC08757}"/>
               </a:ext>
             </a:extLst>
           </p:cNvPr>
@@ -4414,7 +4250,7 @@
           <p:cNvPr id="4" name="スライド番号プレースホルダー 3">
             <a:extLst>
               <a:ext uri="{FF2B5EF4-FFF2-40B4-BE49-F238E27FC236}">
-                <a16:creationId xmlns:a16="http://schemas.microsoft.com/office/drawing/2014/main" xmlns="" id="{159525F1-B3DD-F241-80A0-B84BEF60A491}"/>
+                <a16:creationId xmlns:a16="http://schemas.microsoft.com/office/drawing/2014/main" id="{159525F1-B3DD-F241-80A0-B84BEF60A491}"/>
               </a:ext>
             </a:extLst>
           </p:cNvPr>
@@ -4475,7 +4311,7 @@
           <p:cNvPr id="2" name="タイトル 1">
             <a:extLst>
               <a:ext uri="{FF2B5EF4-FFF2-40B4-BE49-F238E27FC236}">
-                <a16:creationId xmlns:a16="http://schemas.microsoft.com/office/drawing/2014/main" xmlns="" id="{3C64D971-FE6C-9B4B-B493-A91ACF0AA5BC}"/>
+                <a16:creationId xmlns:a16="http://schemas.microsoft.com/office/drawing/2014/main" id="{3C64D971-FE6C-9B4B-B493-A91ACF0AA5BC}"/>
               </a:ext>
             </a:extLst>
           </p:cNvPr>
@@ -4503,7 +4339,7 @@
           <p:cNvPr id="3" name="コンテンツ プレースホルダー 2">
             <a:extLst>
               <a:ext uri="{FF2B5EF4-FFF2-40B4-BE49-F238E27FC236}">
-                <a16:creationId xmlns:a16="http://schemas.microsoft.com/office/drawing/2014/main" xmlns="" id="{EAB01196-5F26-3C4A-8F4B-573EFAE33640}"/>
+                <a16:creationId xmlns:a16="http://schemas.microsoft.com/office/drawing/2014/main" id="{EAB01196-5F26-3C4A-8F4B-573EFAE33640}"/>
               </a:ext>
             </a:extLst>
           </p:cNvPr>
@@ -4581,7 +4417,7 @@
           <p:cNvPr id="4" name="スライド番号プレースホルダー 3">
             <a:extLst>
               <a:ext uri="{FF2B5EF4-FFF2-40B4-BE49-F238E27FC236}">
-                <a16:creationId xmlns:a16="http://schemas.microsoft.com/office/drawing/2014/main" xmlns="" id="{3BCFE4E8-1DD5-7344-8064-33E916555C9C}"/>
+                <a16:creationId xmlns:a16="http://schemas.microsoft.com/office/drawing/2014/main" id="{3BCFE4E8-1DD5-7344-8064-33E916555C9C}"/>
               </a:ext>
             </a:extLst>
           </p:cNvPr>
@@ -4642,7 +4478,7 @@
           <p:cNvPr id="2" name="タイトル 1">
             <a:extLst>
               <a:ext uri="{FF2B5EF4-FFF2-40B4-BE49-F238E27FC236}">
-                <a16:creationId xmlns:a16="http://schemas.microsoft.com/office/drawing/2014/main" xmlns="" id="{56699FCB-AC3F-894B-8CC6-E09841A68935}"/>
+                <a16:creationId xmlns:a16="http://schemas.microsoft.com/office/drawing/2014/main" id="{56699FCB-AC3F-894B-8CC6-E09841A68935}"/>
               </a:ext>
             </a:extLst>
           </p:cNvPr>
@@ -4670,7 +4506,7 @@
           <p:cNvPr id="4" name="スライド番号プレースホルダー 3">
             <a:extLst>
               <a:ext uri="{FF2B5EF4-FFF2-40B4-BE49-F238E27FC236}">
-                <a16:creationId xmlns:a16="http://schemas.microsoft.com/office/drawing/2014/main" xmlns="" id="{D0EB20B4-69D1-F44A-839A-4857EDC6C4C1}"/>
+                <a16:creationId xmlns:a16="http://schemas.microsoft.com/office/drawing/2014/main" id="{D0EB20B4-69D1-F44A-839A-4857EDC6C4C1}"/>
               </a:ext>
             </a:extLst>
           </p:cNvPr>
@@ -4701,7 +4537,7 @@
           <p:cNvPr id="12" name="コンテンツ プレースホルダー 11">
             <a:extLst>
               <a:ext uri="{FF2B5EF4-FFF2-40B4-BE49-F238E27FC236}">
-                <a16:creationId xmlns:a16="http://schemas.microsoft.com/office/drawing/2014/main" xmlns="" id="{53F6E09B-C5A7-D74F-A70A-8F5C19677E2A}"/>
+                <a16:creationId xmlns:a16="http://schemas.microsoft.com/office/drawing/2014/main" id="{53F6E09B-C5A7-D74F-A70A-8F5C19677E2A}"/>
               </a:ext>
             </a:extLst>
           </p:cNvPr>
@@ -4713,7 +4549,7 @@
           </p:nvPr>
         </p:nvPicPr>
         <p:blipFill>
-          <a:blip r:embed="rId2">
+          <a:blip r:embed="rId3">
             <a:extLst>
               <a:ext uri="{28A0092B-C50C-407E-A947-70E740481C1C}">
                 <a14:useLocalDpi xmlns:a14="http://schemas.microsoft.com/office/drawing/2010/main" val="0"/>
@@ -4741,7 +4577,7 @@
           <p:cNvPr id="14" name="図 13">
             <a:extLst>
               <a:ext uri="{FF2B5EF4-FFF2-40B4-BE49-F238E27FC236}">
-                <a16:creationId xmlns:a16="http://schemas.microsoft.com/office/drawing/2014/main" xmlns="" id="{E29BF604-AB21-D441-8D0F-C79ED4078734}"/>
+                <a16:creationId xmlns:a16="http://schemas.microsoft.com/office/drawing/2014/main" id="{E29BF604-AB21-D441-8D0F-C79ED4078734}"/>
               </a:ext>
             </a:extLst>
           </p:cNvPr>
@@ -4751,7 +4587,7 @@
           <p:nvPr/>
         </p:nvPicPr>
         <p:blipFill>
-          <a:blip r:embed="rId3">
+          <a:blip r:embed="rId4">
             <a:extLst>
               <a:ext uri="{28A0092B-C50C-407E-A947-70E740481C1C}">
                 <a14:useLocalDpi xmlns:a14="http://schemas.microsoft.com/office/drawing/2010/main" val="0"/>
@@ -4777,7 +4613,7 @@
           <p:cNvPr id="15" name="下矢印 14">
             <a:extLst>
               <a:ext uri="{FF2B5EF4-FFF2-40B4-BE49-F238E27FC236}">
-                <a16:creationId xmlns:a16="http://schemas.microsoft.com/office/drawing/2014/main" xmlns="" id="{A1D3BA8D-5053-0F40-ADA1-DD1E3EEC1D4D}"/>
+                <a16:creationId xmlns:a16="http://schemas.microsoft.com/office/drawing/2014/main" id="{A1D3BA8D-5053-0F40-ADA1-DD1E3EEC1D4D}"/>
               </a:ext>
             </a:extLst>
           </p:cNvPr>
@@ -4861,7 +4697,7 @@
           <p:cNvPr id="2" name="タイトル 1">
             <a:extLst>
               <a:ext uri="{FF2B5EF4-FFF2-40B4-BE49-F238E27FC236}">
-                <a16:creationId xmlns:a16="http://schemas.microsoft.com/office/drawing/2014/main" xmlns="" id="{72237F30-41FA-3B49-BCCB-58CE879C60D7}"/>
+                <a16:creationId xmlns:a16="http://schemas.microsoft.com/office/drawing/2014/main" id="{72237F30-41FA-3B49-BCCB-58CE879C60D7}"/>
               </a:ext>
             </a:extLst>
           </p:cNvPr>
@@ -4891,7 +4727,7 @@
           <p:cNvPr id="3" name="コンテンツ プレースホルダー 2">
             <a:extLst>
               <a:ext uri="{FF2B5EF4-FFF2-40B4-BE49-F238E27FC236}">
-                <a16:creationId xmlns:a16="http://schemas.microsoft.com/office/drawing/2014/main" xmlns="" id="{46289B57-F74D-7A48-8EFB-B088940DB79C}"/>
+                <a16:creationId xmlns:a16="http://schemas.microsoft.com/office/drawing/2014/main" id="{46289B57-F74D-7A48-8EFB-B088940DB79C}"/>
               </a:ext>
             </a:extLst>
           </p:cNvPr>
@@ -4956,7 +4792,7 @@
           <p:cNvPr id="4" name="スライド番号プレースホルダー 3">
             <a:extLst>
               <a:ext uri="{FF2B5EF4-FFF2-40B4-BE49-F238E27FC236}">
-                <a16:creationId xmlns:a16="http://schemas.microsoft.com/office/drawing/2014/main" xmlns="" id="{CAA046AB-ACBE-F54C-937E-0F5EADA21A9E}"/>
+                <a16:creationId xmlns:a16="http://schemas.microsoft.com/office/drawing/2014/main" id="{CAA046AB-ACBE-F54C-937E-0F5EADA21A9E}"/>
               </a:ext>
             </a:extLst>
           </p:cNvPr>
@@ -4987,7 +4823,7 @@
           <p:cNvPr id="5" name="下矢印 4">
             <a:extLst>
               <a:ext uri="{FF2B5EF4-FFF2-40B4-BE49-F238E27FC236}">
-                <a16:creationId xmlns:a16="http://schemas.microsoft.com/office/drawing/2014/main" xmlns="" id="{EDD09619-AE7B-7A49-A5C2-6DA745A24BE4}"/>
+                <a16:creationId xmlns:a16="http://schemas.microsoft.com/office/drawing/2014/main" id="{EDD09619-AE7B-7A49-A5C2-6DA745A24BE4}"/>
               </a:ext>
             </a:extLst>
           </p:cNvPr>
@@ -5071,7 +4907,7 @@
           <p:cNvPr id="2" name="タイトル 1">
             <a:extLst>
               <a:ext uri="{FF2B5EF4-FFF2-40B4-BE49-F238E27FC236}">
-                <a16:creationId xmlns:a16="http://schemas.microsoft.com/office/drawing/2014/main" xmlns="" id="{DD8DEF57-DB5B-0B41-8FA1-3A80B76D2EC8}"/>
+                <a16:creationId xmlns:a16="http://schemas.microsoft.com/office/drawing/2014/main" id="{DD8DEF57-DB5B-0B41-8FA1-3A80B76D2EC8}"/>
               </a:ext>
             </a:extLst>
           </p:cNvPr>
@@ -5099,7 +4935,7 @@
           <p:cNvPr id="3" name="コンテンツ プレースホルダー 2">
             <a:extLst>
               <a:ext uri="{FF2B5EF4-FFF2-40B4-BE49-F238E27FC236}">
-                <a16:creationId xmlns:a16="http://schemas.microsoft.com/office/drawing/2014/main" xmlns="" id="{C74AE959-3B5C-DE4A-9E39-FB863C7B463E}"/>
+                <a16:creationId xmlns:a16="http://schemas.microsoft.com/office/drawing/2014/main" id="{C74AE959-3B5C-DE4A-9E39-FB863C7B463E}"/>
               </a:ext>
             </a:extLst>
           </p:cNvPr>
@@ -5180,7 +5016,7 @@
           <p:cNvPr id="4" name="スライド番号プレースホルダー 3">
             <a:extLst>
               <a:ext uri="{FF2B5EF4-FFF2-40B4-BE49-F238E27FC236}">
-                <a16:creationId xmlns:a16="http://schemas.microsoft.com/office/drawing/2014/main" xmlns="" id="{84657A72-8C84-C047-8FB7-CCE6A5254260}"/>
+                <a16:creationId xmlns:a16="http://schemas.microsoft.com/office/drawing/2014/main" id="{84657A72-8C84-C047-8FB7-CCE6A5254260}"/>
               </a:ext>
             </a:extLst>
           </p:cNvPr>
@@ -5238,7 +5074,13 @@
       </p:grpSpPr>
       <p:sp>
         <p:nvSpPr>
-          <p:cNvPr id="2" name="タイトル 1"/>
+          <p:cNvPr id="2" name="タイトル 1">
+            <a:extLst>
+              <a:ext uri="{FF2B5EF4-FFF2-40B4-BE49-F238E27FC236}">
+                <a16:creationId xmlns:a16="http://schemas.microsoft.com/office/drawing/2014/main" id="{9B5D0F02-6893-5C40-960B-6F9A1D16F02E}"/>
+              </a:ext>
+            </a:extLst>
+          </p:cNvPr>
           <p:cNvSpPr>
             <a:spLocks noGrp="1"/>
           </p:cNvSpPr>
@@ -5252,20 +5094,21 @@
           <a:lstStyle/>
           <a:p>
             <a:r>
-              <a:rPr kumimoji="1" lang="en-US" altLang="ja-JP" dirty="0" smtClean="0"/>
-              <a:t>LTI</a:t>
-            </a:r>
-            <a:r>
-              <a:rPr kumimoji="1" lang="ja-JP" altLang="en-US" dirty="0" smtClean="0"/>
-              <a:t>の進捗</a:t>
-            </a:r>
-            <a:endParaRPr kumimoji="1" lang="ja-JP" altLang="en-US" dirty="0"/>
-          </a:p>
-        </p:txBody>
-      </p:sp>
-      <p:sp>
-        <p:nvSpPr>
-          <p:cNvPr id="3" name="コンテンツ プレースホルダー 2"/>
+              <a:rPr kumimoji="1" lang="ja-JP" altLang="en-US"/>
+              <a:t>課題</a:t>
+            </a:r>
+          </a:p>
+        </p:txBody>
+      </p:sp>
+      <p:sp>
+        <p:nvSpPr>
+          <p:cNvPr id="3" name="コンテンツ プレースホルダー 2">
+            <a:extLst>
+              <a:ext uri="{FF2B5EF4-FFF2-40B4-BE49-F238E27FC236}">
+                <a16:creationId xmlns:a16="http://schemas.microsoft.com/office/drawing/2014/main" id="{023975DF-E93F-6842-B158-15EA8B104462}"/>
+              </a:ext>
+            </a:extLst>
+          </p:cNvPr>
           <p:cNvSpPr>
             <a:spLocks noGrp="1"/>
           </p:cNvSpPr>
@@ -5279,38 +5122,36 @@
           <a:lstStyle/>
           <a:p>
             <a:r>
-              <a:rPr lang="ja-JP" altLang="en-US" dirty="0" smtClean="0"/>
-              <a:t>正しい</a:t>
-            </a:r>
-            <a:r>
-              <a:rPr lang="en-US" altLang="ja-JP" dirty="0" err="1" smtClean="0"/>
-              <a:t>Oauth_signature</a:t>
-            </a:r>
-            <a:r>
-              <a:rPr lang="ja-JP" altLang="en-US" dirty="0" smtClean="0"/>
-              <a:t>を作るプログラムの制作完了</a:t>
-            </a:r>
-            <a:endParaRPr lang="en-US" altLang="ja-JP" dirty="0" smtClean="0"/>
-          </a:p>
-          <a:p>
-            <a:r>
-              <a:rPr lang="en-US" altLang="ja-JP" dirty="0" smtClean="0"/>
-              <a:t>Redirect</a:t>
-            </a:r>
-            <a:r>
-              <a:rPr lang="ja-JP" altLang="en-US" dirty="0" smtClean="0"/>
-              <a:t>ページの制作</a:t>
-            </a:r>
-            <a:endParaRPr lang="en-US" altLang="ja-JP" dirty="0"/>
-          </a:p>
-          <a:p>
-            <a:endParaRPr kumimoji="1" lang="ja-JP" altLang="en-US" dirty="0"/>
-          </a:p>
-        </p:txBody>
-      </p:sp>
-      <p:sp>
-        <p:nvSpPr>
-          <p:cNvPr id="4" name="スライド番号プレースホルダー 3"/>
+              <a:rPr kumimoji="1" lang="en-US" altLang="ja-JP" dirty="0" err="1"/>
+              <a:t>netJson</a:t>
+            </a:r>
+            <a:endParaRPr kumimoji="1" lang="en-US" altLang="ja-JP" dirty="0"/>
+          </a:p>
+          <a:p>
+            <a:endParaRPr kumimoji="1" lang="en-US" altLang="ja-JP" dirty="0"/>
+          </a:p>
+          <a:p>
+            <a:r>
+              <a:rPr lang="en-US" altLang="ja-JP" dirty="0"/>
+              <a:t>PC</a:t>
+            </a:r>
+            <a:r>
+              <a:rPr lang="ja-JP" altLang="en-US"/>
+              <a:t>やルータを自由に線でつなぐ</a:t>
+            </a:r>
+            <a:endParaRPr kumimoji="1" lang="ja-JP" altLang="en-US"/>
+          </a:p>
+        </p:txBody>
+      </p:sp>
+      <p:sp>
+        <p:nvSpPr>
+          <p:cNvPr id="4" name="スライド番号プレースホルダー 3">
+            <a:extLst>
+              <a:ext uri="{FF2B5EF4-FFF2-40B4-BE49-F238E27FC236}">
+                <a16:creationId xmlns:a16="http://schemas.microsoft.com/office/drawing/2014/main" id="{FC6EE1D2-DEED-EC4C-82FF-D0C0D0A20C67}"/>
+              </a:ext>
+            </a:extLst>
+          </p:cNvPr>
           <p:cNvSpPr>
             <a:spLocks noGrp="1"/>
           </p:cNvSpPr>
@@ -5336,261 +5177,7 @@
     </p:spTree>
     <p:extLst>
       <p:ext uri="{BB962C8B-B14F-4D97-AF65-F5344CB8AC3E}">
-        <p14:creationId xmlns:p14="http://schemas.microsoft.com/office/powerpoint/2010/main" val="178369754"/>
-      </p:ext>
-    </p:extLst>
-  </p:cSld>
-  <p:clrMapOvr>
-    <a:masterClrMapping/>
-  </p:clrMapOvr>
-</p:sld>
-</file>
-
-<file path=ppt/slides/slide8.xml><?xml version="1.0" encoding="utf-8"?>
-<p:sld xmlns:a="http://schemas.openxmlformats.org/drawingml/2006/main" xmlns:r="http://schemas.openxmlformats.org/officeDocument/2006/relationships" xmlns:p="http://schemas.openxmlformats.org/presentationml/2006/main">
-  <p:cSld>
-    <p:spTree>
-      <p:nvGrpSpPr>
-        <p:cNvPr id="1" name=""/>
-        <p:cNvGrpSpPr/>
-        <p:nvPr/>
-      </p:nvGrpSpPr>
-      <p:grpSpPr>
-        <a:xfrm>
-          <a:off x="0" y="0"/>
-          <a:ext cx="0" cy="0"/>
-          <a:chOff x="0" y="0"/>
-          <a:chExt cx="0" cy="0"/>
-        </a:xfrm>
-      </p:grpSpPr>
-      <p:sp>
-        <p:nvSpPr>
-          <p:cNvPr id="2" name="タイトル 1"/>
-          <p:cNvSpPr>
-            <a:spLocks noGrp="1"/>
-          </p:cNvSpPr>
-          <p:nvPr>
-            <p:ph type="title"/>
-          </p:nvPr>
-        </p:nvSpPr>
-        <p:spPr/>
-        <p:txBody>
-          <a:bodyPr/>
-          <a:lstStyle/>
-          <a:p>
-            <a:r>
-              <a:rPr kumimoji="1" lang="ja-JP" altLang="en-US" dirty="0" smtClean="0"/>
-              <a:t>署名</a:t>
-            </a:r>
-            <a:endParaRPr kumimoji="1" lang="ja-JP" altLang="en-US" dirty="0"/>
-          </a:p>
-        </p:txBody>
-      </p:sp>
-      <p:sp>
-        <p:nvSpPr>
-          <p:cNvPr id="3" name="コンテンツ プレースホルダー 2"/>
-          <p:cNvSpPr>
-            <a:spLocks noGrp="1"/>
-          </p:cNvSpPr>
-          <p:nvPr>
-            <p:ph idx="1"/>
-          </p:nvPr>
-        </p:nvSpPr>
-        <p:spPr/>
-        <p:txBody>
-          <a:bodyPr/>
-          <a:lstStyle/>
-          <a:p>
-            <a:r>
-              <a:rPr kumimoji="1" lang="ja-JP" altLang="en-US" dirty="0" smtClean="0"/>
-              <a:t>前回、暗号化する前の文字列までは正しかった</a:t>
-            </a:r>
-            <a:r>
-              <a:rPr kumimoji="1" lang="en-US" altLang="ja-JP" dirty="0" smtClean="0"/>
-              <a:t/>
-            </a:r>
-            <a:br>
-              <a:rPr kumimoji="1" lang="en-US" altLang="ja-JP" dirty="0" smtClean="0"/>
-            </a:br>
-            <a:r>
-              <a:rPr kumimoji="1" lang="ja-JP" altLang="en-US" sz="2400" dirty="0" smtClean="0"/>
-              <a:t>ー検証した結果、書いていたプログラムに間違いはなく、暗号化するにあたって必要だった要素である、</a:t>
-            </a:r>
-            <a:r>
-              <a:rPr kumimoji="1" lang="en-US" altLang="ja-JP" sz="2400" dirty="0" smtClean="0"/>
-              <a:t>timestamp</a:t>
-            </a:r>
-            <a:r>
-              <a:rPr kumimoji="1" lang="ja-JP" altLang="en-US" sz="2400" dirty="0" smtClean="0"/>
-              <a:t>が間違ったものが送られていただけだった。</a:t>
-            </a:r>
-            <a:endParaRPr kumimoji="1" lang="en-US" altLang="ja-JP" sz="2400" dirty="0" smtClean="0"/>
-          </a:p>
-          <a:p>
-            <a:r>
-              <a:rPr kumimoji="1" lang="en-US" altLang="ja-JP" sz="2400" dirty="0" smtClean="0"/>
-              <a:t>Timestamp</a:t>
-            </a:r>
-            <a:r>
-              <a:rPr kumimoji="1" lang="ja-JP" altLang="en-US" sz="2400" dirty="0" smtClean="0"/>
-              <a:t>が正しいものか判定する部分を作ることで対処</a:t>
-            </a:r>
-            <a:endParaRPr kumimoji="1" lang="en-US" altLang="ja-JP" sz="2400" dirty="0" smtClean="0"/>
-          </a:p>
-        </p:txBody>
-      </p:sp>
-      <p:sp>
-        <p:nvSpPr>
-          <p:cNvPr id="4" name="スライド番号プレースホルダー 3"/>
-          <p:cNvSpPr>
-            <a:spLocks noGrp="1"/>
-          </p:cNvSpPr>
-          <p:nvPr>
-            <p:ph type="sldNum" sz="quarter" idx="12"/>
-          </p:nvPr>
-        </p:nvSpPr>
-        <p:spPr/>
-        <p:txBody>
-          <a:bodyPr/>
-          <a:lstStyle/>
-          <a:p>
-            <a:pPr algn="ctr"/>
-            <a:fld id="{CA23F248-F353-4F36-A746-B1953A38AE2D}" type="slidenum">
-              <a:rPr lang="ja-JP" altLang="en-US" smtClean="0"/>
-              <a:pPr algn="ctr"/>
-              <a:t>8</a:t>
-            </a:fld>
-            <a:endParaRPr lang="ja-JP" altLang="en-US" dirty="0"/>
-          </a:p>
-        </p:txBody>
-      </p:sp>
-    </p:spTree>
-    <p:extLst>
-      <p:ext uri="{BB962C8B-B14F-4D97-AF65-F5344CB8AC3E}">
-        <p14:creationId xmlns:p14="http://schemas.microsoft.com/office/powerpoint/2010/main" val="556477732"/>
-      </p:ext>
-    </p:extLst>
-  </p:cSld>
-  <p:clrMapOvr>
-    <a:masterClrMapping/>
-  </p:clrMapOvr>
-</p:sld>
-</file>
-
-<file path=ppt/slides/slide9.xml><?xml version="1.0" encoding="utf-8"?>
-<p:sld xmlns:a="http://schemas.openxmlformats.org/drawingml/2006/main" xmlns:r="http://schemas.openxmlformats.org/officeDocument/2006/relationships" xmlns:p="http://schemas.openxmlformats.org/presentationml/2006/main">
-  <p:cSld>
-    <p:spTree>
-      <p:nvGrpSpPr>
-        <p:cNvPr id="1" name=""/>
-        <p:cNvGrpSpPr/>
-        <p:nvPr/>
-      </p:nvGrpSpPr>
-      <p:grpSpPr>
-        <a:xfrm>
-          <a:off x="0" y="0"/>
-          <a:ext cx="0" cy="0"/>
-          <a:chOff x="0" y="0"/>
-          <a:chExt cx="0" cy="0"/>
-        </a:xfrm>
-      </p:grpSpPr>
-      <p:sp>
-        <p:nvSpPr>
-          <p:cNvPr id="2" name="タイトル 1"/>
-          <p:cNvSpPr>
-            <a:spLocks noGrp="1"/>
-          </p:cNvSpPr>
-          <p:nvPr>
-            <p:ph type="title"/>
-          </p:nvPr>
-        </p:nvSpPr>
-        <p:spPr/>
-        <p:txBody>
-          <a:bodyPr/>
-          <a:lstStyle/>
-          <a:p>
-            <a:r>
-              <a:rPr kumimoji="1" lang="en-US" altLang="ja-JP" dirty="0" smtClean="0"/>
-              <a:t>LTI</a:t>
-            </a:r>
-            <a:r>
-              <a:rPr lang="ja-JP" altLang="en-US" dirty="0" smtClean="0"/>
-              <a:t>化に向けて</a:t>
-            </a:r>
-            <a:endParaRPr kumimoji="1" lang="ja-JP" altLang="en-US" dirty="0"/>
-          </a:p>
-        </p:txBody>
-      </p:sp>
-      <p:sp>
-        <p:nvSpPr>
-          <p:cNvPr id="3" name="コンテンツ プレースホルダー 2"/>
-          <p:cNvSpPr>
-            <a:spLocks noGrp="1"/>
-          </p:cNvSpPr>
-          <p:nvPr>
-            <p:ph idx="1"/>
-          </p:nvPr>
-        </p:nvSpPr>
-        <p:spPr/>
-        <p:txBody>
-          <a:bodyPr/>
-          <a:lstStyle/>
-          <a:p>
-            <a:r>
-              <a:rPr kumimoji="1" lang="en-US" altLang="ja-JP" dirty="0" smtClean="0"/>
-              <a:t>LTI</a:t>
-            </a:r>
-            <a:r>
-              <a:rPr kumimoji="1" lang="ja-JP" altLang="en-US" dirty="0" smtClean="0"/>
-              <a:t>化のチュートリアル</a:t>
-            </a:r>
-            <a:r>
-              <a:rPr lang="en-US" altLang="ja-JP" dirty="0" smtClean="0">
-                <a:hlinkClick r:id="rId2"/>
-              </a:rPr>
-              <a:t>https://canvas.instructure.com/courses/785215/assignments/2233111?module_item_id=4761769</a:t>
-            </a:r>
-            <a:r>
-              <a:rPr lang="ja-JP" altLang="en-US" dirty="0"/>
-              <a:t> </a:t>
-            </a:r>
-            <a:r>
-              <a:rPr lang="ja-JP" altLang="en-US" dirty="0" smtClean="0"/>
-              <a:t>を進めた</a:t>
-            </a:r>
-            <a:endParaRPr lang="en-US" altLang="ja-JP" dirty="0" smtClean="0"/>
-          </a:p>
-        </p:txBody>
-      </p:sp>
-      <p:sp>
-        <p:nvSpPr>
-          <p:cNvPr id="4" name="スライド番号プレースホルダー 3"/>
-          <p:cNvSpPr>
-            <a:spLocks noGrp="1"/>
-          </p:cNvSpPr>
-          <p:nvPr>
-            <p:ph type="sldNum" sz="quarter" idx="12"/>
-          </p:nvPr>
-        </p:nvSpPr>
-        <p:spPr/>
-        <p:txBody>
-          <a:bodyPr/>
-          <a:lstStyle/>
-          <a:p>
-            <a:pPr algn="ctr"/>
-            <a:fld id="{CA23F248-F353-4F36-A746-B1953A38AE2D}" type="slidenum">
-              <a:rPr lang="ja-JP" altLang="en-US" smtClean="0"/>
-              <a:pPr algn="ctr"/>
-              <a:t>9</a:t>
-            </a:fld>
-            <a:endParaRPr lang="ja-JP" altLang="en-US" dirty="0"/>
-          </a:p>
-        </p:txBody>
-      </p:sp>
-    </p:spTree>
-    <p:extLst>
-      <p:ext uri="{BB962C8B-B14F-4D97-AF65-F5344CB8AC3E}">
-        <p14:creationId xmlns:p14="http://schemas.microsoft.com/office/powerpoint/2010/main" val="2123789704"/>
+        <p14:creationId xmlns:p14="http://schemas.microsoft.com/office/powerpoint/2010/main" val="2015153303"/>
       </p:ext>
     </p:extLst>
   </p:cSld>
